--- a/2025-02-12_Voice_Recognition_FinalPresentation.pptx
+++ b/2025-02-12_Voice_Recognition_FinalPresentation.pptx
@@ -17,9 +17,11 @@
     <p:sldId id="273" r:id="rId11"/>
     <p:sldId id="265" r:id="rId12"/>
     <p:sldId id="272" r:id="rId13"/>
-    <p:sldId id="266" r:id="rId14"/>
-    <p:sldId id="279" r:id="rId15"/>
-    <p:sldId id="261" r:id="rId16"/>
+    <p:sldId id="280" r:id="rId14"/>
+    <p:sldId id="266" r:id="rId15"/>
+    <p:sldId id="279" r:id="rId16"/>
+    <p:sldId id="281" r:id="rId17"/>
+    <p:sldId id="261" r:id="rId18"/>
   </p:sldIdLst>
   <p:sldSz cx="12192000" cy="6858000"/>
   <p:notesSz cx="6858000" cy="9144000"/>
@@ -129,8 +131,7 @@
 <file path=ppt/revisionInfo.xml><?xml version="1.0" encoding="utf-8"?>
 <p1510:revInfo xmlns:a="http://schemas.openxmlformats.org/drawingml/2006/main" xmlns:r="http://schemas.openxmlformats.org/officeDocument/2006/relationships" xmlns:p1510="http://schemas.microsoft.com/office/powerpoint/2015/10/main">
   <p1510:revLst>
-    <p1510:client id="{C224451A-0AE4-E0DC-3D08-59B97E9B1F1C}" v="12" dt="2024-12-18T06:26:29.281"/>
-    <p1510:client id="{F736DF0C-D77A-ECF1-AEB6-00BCE513FBD7}" v="61" dt="2024-12-18T06:09:33.041"/>
+    <p1510:client id="{6A9042C9-9012-539C-B325-63EA8E72AF5A}" v="558" dt="2025-02-12T02:35:27.964"/>
   </p1510:revLst>
 </p1510:revInfo>
 </file>
@@ -288,7 +289,7 @@
           <a:p>
             <a:fld id="{79C5A860-F335-4252-AA00-24FB67ED2982}" type="datetime1">
               <a:rPr lang="en-US" smtClean="0"/>
-              <a:t>2/12/2025</a:t>
+              <a:t>2/11/2025</a:t>
             </a:fld>
             <a:endParaRPr lang="en-US"/>
           </a:p>
@@ -488,7 +489,7 @@
           <a:p>
             <a:fld id="{46AB1048-0047-48CA-88BA-D69B470942CF}" type="datetime1">
               <a:rPr lang="en-US" smtClean="0"/>
-              <a:t>2/12/2025</a:t>
+              <a:t>2/11/2025</a:t>
             </a:fld>
             <a:endParaRPr lang="en-US"/>
           </a:p>
@@ -699,7 +700,7 @@
           <a:p>
             <a:fld id="{5BD83879-648C-49A9-81A2-0EF5946532D0}" type="datetime1">
               <a:rPr lang="en-US" smtClean="0"/>
-              <a:t>2/12/2025</a:t>
+              <a:t>2/11/2025</a:t>
             </a:fld>
             <a:endParaRPr lang="en-US"/>
           </a:p>
@@ -898,7 +899,7 @@
           <a:p>
             <a:fld id="{D04BC802-30E3-4658-9CCA-F873646FEC67}" type="datetime1">
               <a:rPr lang="en-US" smtClean="0"/>
-              <a:t>2/12/2025</a:t>
+              <a:t>2/11/2025</a:t>
             </a:fld>
             <a:endParaRPr lang="en-US"/>
           </a:p>
@@ -1177,7 +1178,7 @@
           <a:p>
             <a:fld id="{0AB227A3-19CE-4153-81CE-64EB7AB094B3}" type="datetime1">
               <a:rPr lang="en-US" smtClean="0"/>
-              <a:t>2/12/2025</a:t>
+              <a:t>2/11/2025</a:t>
             </a:fld>
             <a:endParaRPr lang="en-US"/>
           </a:p>
@@ -1445,7 +1446,7 @@
           <a:p>
             <a:fld id="{B819A100-10F6-477E-8847-29D479EF1C92}" type="datetime1">
               <a:rPr lang="en-US" smtClean="0"/>
-              <a:t>2/12/2025</a:t>
+              <a:t>2/11/2025</a:t>
             </a:fld>
             <a:endParaRPr lang="en-US"/>
           </a:p>
@@ -1860,7 +1861,7 @@
           <a:p>
             <a:fld id="{5DF128AB-198A-495F-8475-FDB360C9873F}" type="datetime1">
               <a:rPr lang="en-US" smtClean="0"/>
-              <a:t>2/12/2025</a:t>
+              <a:t>2/11/2025</a:t>
             </a:fld>
             <a:endParaRPr lang="en-US"/>
           </a:p>
@@ -2002,7 +2003,7 @@
           <a:p>
             <a:fld id="{021A235E-F8FD-479F-9FC7-18BE84110877}" type="datetime1">
               <a:rPr lang="en-US" smtClean="0"/>
-              <a:t>2/12/2025</a:t>
+              <a:t>2/11/2025</a:t>
             </a:fld>
             <a:endParaRPr lang="en-US"/>
           </a:p>
@@ -2116,7 +2117,7 @@
           <a:p>
             <a:fld id="{E890F09B-68DA-462E-9DB4-4C9ADAB8CBCC}" type="datetime1">
               <a:rPr lang="en-US" smtClean="0"/>
-              <a:t>2/12/2025</a:t>
+              <a:t>2/11/2025</a:t>
             </a:fld>
             <a:endParaRPr lang="en-US"/>
           </a:p>
@@ -2436,7 +2437,7 @@
           <a:p>
             <a:fld id="{17AC4E36-FABE-47EB-AA7F-C19A93824617}" type="datetime1">
               <a:rPr lang="en-US" smtClean="0"/>
-              <a:t>2/12/2025</a:t>
+              <a:t>2/11/2025</a:t>
             </a:fld>
             <a:endParaRPr lang="en-US"/>
           </a:p>
@@ -2734,7 +2735,7 @@
           <a:p>
             <a:fld id="{F199CE6B-5DE6-4A2D-B72E-5E8969F9F56F}" type="datetime1">
               <a:rPr lang="en-US" smtClean="0"/>
-              <a:t>2/12/2025</a:t>
+              <a:t>2/11/2025</a:t>
             </a:fld>
             <a:endParaRPr lang="en-US"/>
           </a:p>
@@ -3593,7 +3594,7 @@
           <a:p>
             <a:fld id="{F481A142-DA77-4A5F-AD1F-14E6C18F0F5F}" type="datetime1">
               <a:rPr lang="en-US" smtClean="0"/>
-              <a:t>2/12/2025</a:t>
+              <a:t>2/11/2025</a:t>
             </a:fld>
             <a:endParaRPr lang="en-US" dirty="0"/>
           </a:p>
@@ -4882,17 +4883,12 @@
           <a:lstStyle/>
           <a:p>
             <a:r>
-              <a:rPr lang="de-DE" b="1" u="sng" dirty="0" err="1">
-                <a:cs typeface="Posterama"/>
-              </a:rPr>
-              <a:t>Trainning</a:t>
-            </a:r>
-            <a:r>
               <a:rPr lang="de-DE" b="1" u="sng" dirty="0">
                 <a:cs typeface="Posterama"/>
               </a:rPr>
-              <a:t> SVM</a:t>
-            </a:r>
+              <a:t>Vergleiche SVM</a:t>
+            </a:r>
+            <a:endParaRPr lang="de-DE" dirty="0"/>
           </a:p>
         </p:txBody>
       </p:sp>
@@ -4957,7 +4953,7 @@
       </p:pic>
       <p:pic>
         <p:nvPicPr>
-          <p:cNvPr id="3" name="Grafik 2" descr="Ein Bild, das Text, Screenshot, Software, Display enthält.&#10;&#10;Beschreibung automatisch generiert.">
+          <p:cNvPr id="3" name="Grafik 2" descr="Ein Bild, das Text, Screenshot, Display, Software enthält.&#10;&#10;KI-generierte Inhalte können fehlerhaft sein.">
             <a:extLst>
               <a:ext uri="{FF2B5EF4-FFF2-40B4-BE49-F238E27FC236}">
                 <a16:creationId xmlns:a16="http://schemas.microsoft.com/office/drawing/2014/main" id="{61228266-A1A0-4734-54AE-3A5BE2CBCFF6}"/>
@@ -4971,13 +4967,42 @@
         </p:nvPicPr>
         <p:blipFill>
           <a:blip r:embed="rId3"/>
-          <a:srcRect l="-3" t="-8" r="5669" b="7"/>
+          <a:srcRect t="384" r="25038" b="183"/>
           <a:stretch/>
         </p:blipFill>
         <p:spPr>
           <a:xfrm>
-            <a:off x="5376755" y="1788356"/>
-            <a:ext cx="6101628" cy="4341609"/>
+            <a:off x="5943368" y="2472663"/>
+            <a:ext cx="5944884" cy="3428147"/>
+          </a:xfrm>
+          <a:prstGeom prst="rect">
+            <a:avLst/>
+          </a:prstGeom>
+        </p:spPr>
+      </p:pic>
+      <p:pic>
+        <p:nvPicPr>
+          <p:cNvPr id="5" name="Grafik 4" descr="Ein Bild, das Text, Screenshot, Software enthält.&#10;&#10;KI-generierte Inhalte können fehlerhaft sein.">
+            <a:extLst>
+              <a:ext uri="{FF2B5EF4-FFF2-40B4-BE49-F238E27FC236}">
+                <a16:creationId xmlns:a16="http://schemas.microsoft.com/office/drawing/2014/main" id="{002B77E9-027D-6BF4-D515-D5AF5A40E2E9}"/>
+              </a:ext>
+            </a:extLst>
+          </p:cNvPr>
+          <p:cNvPicPr>
+            <a:picLocks noChangeAspect="1"/>
+          </p:cNvPicPr>
+          <p:nvPr/>
+        </p:nvPicPr>
+        <p:blipFill>
+          <a:blip r:embed="rId4"/>
+          <a:srcRect l="130" t="17" r="9363"/>
+          <a:stretch/>
+        </p:blipFill>
+        <p:spPr>
+          <a:xfrm>
+            <a:off x="306524" y="2472952"/>
+            <a:ext cx="5484300" cy="3432320"/>
           </a:xfrm>
           <a:prstGeom prst="rect">
             <a:avLst/>
@@ -5036,17 +5061,12 @@
           <a:lstStyle/>
           <a:p>
             <a:r>
-              <a:rPr lang="de-DE" b="1" u="sng" dirty="0" err="1">
-                <a:cs typeface="Posterama"/>
-              </a:rPr>
-              <a:t>Tranning</a:t>
-            </a:r>
-            <a:r>
               <a:rPr lang="de-DE" b="1" u="sng" dirty="0">
                 <a:cs typeface="Posterama"/>
               </a:rPr>
-              <a:t> SVM</a:t>
-            </a:r>
+              <a:t>Vergleiche SVM</a:t>
+            </a:r>
+            <a:endParaRPr lang="de-DE" dirty="0"/>
           </a:p>
         </p:txBody>
       </p:sp>
@@ -5111,7 +5131,7 @@
       </p:pic>
       <p:pic>
         <p:nvPicPr>
-          <p:cNvPr id="3" name="Grafik 2" descr="Ein Bild, das Text, Screenshot, Diagramm, Rechteck enthält.&#10;&#10;Beschreibung automatisch generiert.">
+          <p:cNvPr id="3" name="Grafik 2" descr="Ein Bild, das Text, Screenshot, Diagramm, Rechteck enthält.&#10;&#10;KI-generierte Inhalte können fehlerhaft sein.">
             <a:extLst>
               <a:ext uri="{FF2B5EF4-FFF2-40B4-BE49-F238E27FC236}">
                 <a16:creationId xmlns:a16="http://schemas.microsoft.com/office/drawing/2014/main" id="{61228266-A1A0-4734-54AE-3A5BE2CBCFF6}"/>
@@ -5125,7 +5145,7 @@
         </p:nvPicPr>
         <p:blipFill>
           <a:blip r:embed="rId3"/>
-          <a:srcRect l="1619" t="5909" r="7306" b="5892"/>
+          <a:srcRect l="3084" r="3084"/>
           <a:stretch/>
         </p:blipFill>
         <p:spPr>
@@ -5140,7 +5160,7 @@
       </p:pic>
       <p:pic>
         <p:nvPicPr>
-          <p:cNvPr id="7" name="Grafik 6" descr="Ein Bild, das Text, Screenshot, Diagramm, Rechteck enthält.&#10;&#10;Beschreibung automatisch generiert.">
+          <p:cNvPr id="7" name="Grafik 6" descr="Ein Bild, das Text, Screenshot, Diagramm, Zahl enthält.&#10;&#10;KI-generierte Inhalte können fehlerhaft sein.">
             <a:extLst>
               <a:ext uri="{FF2B5EF4-FFF2-40B4-BE49-F238E27FC236}">
                 <a16:creationId xmlns:a16="http://schemas.microsoft.com/office/drawing/2014/main" id="{E3EB0EA0-13DE-DEB3-65E9-976C74800921}"/>
@@ -5154,7 +5174,7 @@
         </p:nvPicPr>
         <p:blipFill>
           <a:blip r:embed="rId4"/>
-          <a:srcRect l="2942" t="10431" r="6942" b="6566"/>
+          <a:srcRect l="2340" r="2340"/>
           <a:stretch/>
         </p:blipFill>
         <p:spPr>
@@ -5219,17 +5239,12 @@
           <a:lstStyle/>
           <a:p>
             <a:r>
-              <a:rPr lang="de-DE" b="1" u="sng" dirty="0" err="1">
-                <a:cs typeface="Posterama"/>
-              </a:rPr>
-              <a:t>Trainning</a:t>
-            </a:r>
-            <a:r>
               <a:rPr lang="de-DE" b="1" u="sng" dirty="0">
                 <a:cs typeface="Posterama"/>
               </a:rPr>
-              <a:t> SVM</a:t>
-            </a:r>
+              <a:t>Vergleiche SVM</a:t>
+            </a:r>
+            <a:endParaRPr lang="de-DE" dirty="0"/>
           </a:p>
         </p:txBody>
       </p:sp>
@@ -5294,7 +5309,7 @@
       </p:pic>
       <p:pic>
         <p:nvPicPr>
-          <p:cNvPr id="3" name="Grafik 2" descr="Ein Bild, das Text, Diagramm, Reihe, Screenshot enthält.&#10;&#10;Beschreibung automatisch generiert.">
+          <p:cNvPr id="3" name="Grafik 2" descr="Ein Bild, das Text, Screenshot, Diagramm, Reihe enthält.&#10;&#10;KI-generierte Inhalte können fehlerhaft sein.">
             <a:extLst>
               <a:ext uri="{FF2B5EF4-FFF2-40B4-BE49-F238E27FC236}">
                 <a16:creationId xmlns:a16="http://schemas.microsoft.com/office/drawing/2014/main" id="{61228266-A1A0-4734-54AE-3A5BE2CBCFF6}"/>
@@ -5308,7 +5323,7 @@
         </p:nvPicPr>
         <p:blipFill>
           <a:blip r:embed="rId3"/>
-          <a:srcRect l="3367" t="5773" r="3978" b="7"/>
+          <a:srcRect l="1805" r="1805"/>
           <a:stretch/>
         </p:blipFill>
         <p:spPr>
@@ -5323,7 +5338,7 @@
       </p:pic>
       <p:pic>
         <p:nvPicPr>
-          <p:cNvPr id="4" name="Grafik 3" descr="Ein Bild, das Text, Diagramm, Reihe, Screenshot enthält.&#10;&#10;Beschreibung automatisch generiert.">
+          <p:cNvPr id="4" name="Grafik 3" descr="Ein Bild, das Text, Diagramm, Screenshot, Reihe enthält.&#10;&#10;KI-generierte Inhalte können fehlerhaft sein.">
             <a:extLst>
               <a:ext uri="{FF2B5EF4-FFF2-40B4-BE49-F238E27FC236}">
                 <a16:creationId xmlns:a16="http://schemas.microsoft.com/office/drawing/2014/main" id="{2ABD9218-3D50-D822-23AC-A985DEECEED5}"/>
@@ -5337,7 +5352,7 @@
         </p:nvPicPr>
         <p:blipFill>
           <a:blip r:embed="rId4"/>
-          <a:srcRect l="4407" t="6590" r="1525" b="-1797"/>
+          <a:srcRect t="1563" b="1563"/>
           <a:stretch/>
         </p:blipFill>
         <p:spPr>
@@ -5368,6 +5383,189 @@
   <p:cSld>
     <p:spTree>
       <p:nvGrpSpPr>
+        <p:cNvPr id="1" name="">
+          <a:extLst>
+            <a:ext uri="{FF2B5EF4-FFF2-40B4-BE49-F238E27FC236}">
+              <a16:creationId xmlns:a16="http://schemas.microsoft.com/office/drawing/2014/main" id="{B5071FE4-6EB2-B2BC-9318-B7E874280631}"/>
+            </a:ext>
+          </a:extLst>
+        </p:cNvPr>
+        <p:cNvGrpSpPr/>
+        <p:nvPr/>
+      </p:nvGrpSpPr>
+      <p:grpSpPr>
+        <a:xfrm>
+          <a:off x="0" y="0"/>
+          <a:ext cx="0" cy="0"/>
+          <a:chOff x="0" y="0"/>
+          <a:chExt cx="0" cy="0"/>
+        </a:xfrm>
+      </p:grpSpPr>
+      <p:sp>
+        <p:nvSpPr>
+          <p:cNvPr id="2" name="Titel 1">
+            <a:extLst>
+              <a:ext uri="{FF2B5EF4-FFF2-40B4-BE49-F238E27FC236}">
+                <a16:creationId xmlns:a16="http://schemas.microsoft.com/office/drawing/2014/main" id="{090A1C07-CDF2-701A-9C74-CCB1411268AF}"/>
+              </a:ext>
+            </a:extLst>
+          </p:cNvPr>
+          <p:cNvSpPr>
+            <a:spLocks noGrp="1"/>
+          </p:cNvSpPr>
+          <p:nvPr>
+            <p:ph type="title"/>
+          </p:nvPr>
+        </p:nvSpPr>
+        <p:spPr/>
+        <p:txBody>
+          <a:bodyPr/>
+          <a:lstStyle/>
+          <a:p>
+            <a:r>
+              <a:rPr lang="de-DE" b="1" u="sng" dirty="0">
+                <a:cs typeface="Posterama"/>
+              </a:rPr>
+              <a:t>Vergleiche SVM</a:t>
+            </a:r>
+          </a:p>
+        </p:txBody>
+      </p:sp>
+      <p:sp>
+        <p:nvSpPr>
+          <p:cNvPr id="6" name="Foliennummernplatzhalter 5">
+            <a:extLst>
+              <a:ext uri="{FF2B5EF4-FFF2-40B4-BE49-F238E27FC236}">
+                <a16:creationId xmlns:a16="http://schemas.microsoft.com/office/drawing/2014/main" id="{A3BD242A-9077-8AE5-D405-A8D496D60466}"/>
+              </a:ext>
+            </a:extLst>
+          </p:cNvPr>
+          <p:cNvSpPr>
+            <a:spLocks noGrp="1"/>
+          </p:cNvSpPr>
+          <p:nvPr>
+            <p:ph type="sldNum" sz="quarter" idx="12"/>
+          </p:nvPr>
+        </p:nvSpPr>
+        <p:spPr/>
+        <p:txBody>
+          <a:bodyPr/>
+          <a:lstStyle/>
+          <a:p>
+            <a:fld id="{1F646F3F-274D-499B-ABBE-824EB4ABDC3D}" type="slidenum">
+              <a:rPr lang="en-US" smtClean="0"/>
+              <a:t>13</a:t>
+            </a:fld>
+            <a:endParaRPr lang="de-DE"/>
+          </a:p>
+        </p:txBody>
+      </p:sp>
+      <p:pic>
+        <p:nvPicPr>
+          <p:cNvPr id="13" name="Grafik 12" descr="Ein Bild, das Text, Schrift, Grafiken, Screenshot enthält.">
+            <a:extLst>
+              <a:ext uri="{FF2B5EF4-FFF2-40B4-BE49-F238E27FC236}">
+                <a16:creationId xmlns:a16="http://schemas.microsoft.com/office/drawing/2014/main" id="{A2A275D1-F176-8CBF-E928-76BCDC37F03A}"/>
+              </a:ext>
+            </a:extLst>
+          </p:cNvPr>
+          <p:cNvPicPr>
+            <a:picLocks noChangeAspect="1"/>
+          </p:cNvPicPr>
+          <p:nvPr/>
+        </p:nvPicPr>
+        <p:blipFill>
+          <a:blip r:embed="rId2"/>
+          <a:stretch>
+            <a:fillRect/>
+          </a:stretch>
+        </p:blipFill>
+        <p:spPr>
+          <a:xfrm>
+            <a:off x="8125355" y="47624"/>
+            <a:ext cx="3738563" cy="678658"/>
+          </a:xfrm>
+          <a:prstGeom prst="rect">
+            <a:avLst/>
+          </a:prstGeom>
+        </p:spPr>
+      </p:pic>
+      <p:pic>
+        <p:nvPicPr>
+          <p:cNvPr id="3" name="Grafik 2" descr="Ein Bild, das Text, Screenshot, Reihe, Diagramm enthält.&#10;&#10;KI-generierte Inhalte können fehlerhaft sein.">
+            <a:extLst>
+              <a:ext uri="{FF2B5EF4-FFF2-40B4-BE49-F238E27FC236}">
+                <a16:creationId xmlns:a16="http://schemas.microsoft.com/office/drawing/2014/main" id="{170EBC00-8801-DF21-42EA-2C3ABE382C73}"/>
+              </a:ext>
+            </a:extLst>
+          </p:cNvPr>
+          <p:cNvPicPr>
+            <a:picLocks noChangeAspect="1"/>
+          </p:cNvPicPr>
+          <p:nvPr/>
+        </p:nvPicPr>
+        <p:blipFill>
+          <a:blip r:embed="rId3"/>
+          <a:srcRect l="2481" t="-382" r="8969" b="-763"/>
+          <a:stretch/>
+        </p:blipFill>
+        <p:spPr>
+          <a:xfrm>
+            <a:off x="614133" y="2598655"/>
+            <a:ext cx="4936886" cy="2885211"/>
+          </a:xfrm>
+          <a:prstGeom prst="rect">
+            <a:avLst/>
+          </a:prstGeom>
+        </p:spPr>
+      </p:pic>
+      <p:pic>
+        <p:nvPicPr>
+          <p:cNvPr id="4" name="Grafik 3" descr="Ein Bild, das Text, Screenshot, Reihe, Diagramm enthält.&#10;&#10;KI-generierte Inhalte können fehlerhaft sein.">
+            <a:extLst>
+              <a:ext uri="{FF2B5EF4-FFF2-40B4-BE49-F238E27FC236}">
+                <a16:creationId xmlns:a16="http://schemas.microsoft.com/office/drawing/2014/main" id="{565BE848-8871-B1B1-7579-2D3AFECB971C}"/>
+              </a:ext>
+            </a:extLst>
+          </p:cNvPr>
+          <p:cNvPicPr>
+            <a:picLocks noChangeAspect="1"/>
+          </p:cNvPicPr>
+          <p:nvPr/>
+        </p:nvPicPr>
+        <p:blipFill>
+          <a:blip r:embed="rId4"/>
+          <a:srcRect l="1992" t="1431" r="7066" b="483"/>
+          <a:stretch/>
+        </p:blipFill>
+        <p:spPr>
+          <a:xfrm>
+            <a:off x="6096698" y="2598479"/>
+            <a:ext cx="5475264" cy="2885513"/>
+          </a:xfrm>
+          <a:prstGeom prst="rect">
+            <a:avLst/>
+          </a:prstGeom>
+        </p:spPr>
+      </p:pic>
+    </p:spTree>
+    <p:extLst>
+      <p:ext uri="{BB962C8B-B14F-4D97-AF65-F5344CB8AC3E}">
+        <p14:creationId xmlns:p14="http://schemas.microsoft.com/office/powerpoint/2010/main" val="4190172660"/>
+      </p:ext>
+    </p:extLst>
+  </p:cSld>
+  <p:clrMapOvr>
+    <a:masterClrMapping/>
+  </p:clrMapOvr>
+</p:sld>
+</file>
+
+<file path=ppt/slides/slide14.xml><?xml version="1.0" encoding="utf-8"?>
+<p:sld xmlns:a="http://schemas.openxmlformats.org/drawingml/2006/main" xmlns:r="http://schemas.openxmlformats.org/officeDocument/2006/relationships" xmlns:p="http://schemas.openxmlformats.org/presentationml/2006/main">
+  <p:cSld>
+    <p:spTree>
+      <p:nvGrpSpPr>
         <p:cNvPr id="1" name=""/>
         <p:cNvGrpSpPr/>
         <p:nvPr/>
@@ -5433,7 +5631,7 @@
           <a:p>
             <a:fld id="{1F646F3F-274D-499B-ABBE-824EB4ABDC3D}" type="slidenum">
               <a:rPr lang="en-US" smtClean="0"/>
-              <a:t>13</a:t>
+              <a:t>14</a:t>
             </a:fld>
             <a:endParaRPr lang="de-DE"/>
           </a:p>
@@ -5607,7 +5805,7 @@
 </p:sld>
 </file>
 
-<file path=ppt/slides/slide14.xml><?xml version="1.0" encoding="utf-8"?>
+<file path=ppt/slides/slide15.xml><?xml version="1.0" encoding="utf-8"?>
 <p:sld xmlns:a="http://schemas.openxmlformats.org/drawingml/2006/main" xmlns:r="http://schemas.openxmlformats.org/officeDocument/2006/relationships" xmlns:p="http://schemas.openxmlformats.org/presentationml/2006/main">
   <p:cSld>
     <p:spTree>
@@ -5683,7 +5881,7 @@
           <a:p>
             <a:fld id="{1F646F3F-274D-499B-ABBE-824EB4ABDC3D}" type="slidenum">
               <a:rPr lang="en-US" smtClean="0"/>
-              <a:t>14</a:t>
+              <a:t>15</a:t>
             </a:fld>
             <a:endParaRPr lang="de-DE"/>
           </a:p>
@@ -5809,7 +6007,191 @@
 </p:sld>
 </file>
 
-<file path=ppt/slides/slide15.xml><?xml version="1.0" encoding="utf-8"?>
+<file path=ppt/slides/slide16.xml><?xml version="1.0" encoding="utf-8"?>
+<p:sld xmlns:a="http://schemas.openxmlformats.org/drawingml/2006/main" xmlns:r="http://schemas.openxmlformats.org/officeDocument/2006/relationships" xmlns:p="http://schemas.openxmlformats.org/presentationml/2006/main">
+  <p:cSld>
+    <p:spTree>
+      <p:nvGrpSpPr>
+        <p:cNvPr id="1" name="">
+          <a:extLst>
+            <a:ext uri="{FF2B5EF4-FFF2-40B4-BE49-F238E27FC236}">
+              <a16:creationId xmlns:a16="http://schemas.microsoft.com/office/drawing/2014/main" id="{221249A2-FC57-96F3-29E9-FE2AC9032ABD}"/>
+            </a:ext>
+          </a:extLst>
+        </p:cNvPr>
+        <p:cNvGrpSpPr/>
+        <p:nvPr/>
+      </p:nvGrpSpPr>
+      <p:grpSpPr>
+        <a:xfrm>
+          <a:off x="0" y="0"/>
+          <a:ext cx="0" cy="0"/>
+          <a:chOff x="0" y="0"/>
+          <a:chExt cx="0" cy="0"/>
+        </a:xfrm>
+      </p:grpSpPr>
+      <p:sp>
+        <p:nvSpPr>
+          <p:cNvPr id="2" name="Titel 1">
+            <a:extLst>
+              <a:ext uri="{FF2B5EF4-FFF2-40B4-BE49-F238E27FC236}">
+                <a16:creationId xmlns:a16="http://schemas.microsoft.com/office/drawing/2014/main" id="{0B0F2761-A9AD-533E-2A93-34A2EE73AA3A}"/>
+              </a:ext>
+            </a:extLst>
+          </p:cNvPr>
+          <p:cNvSpPr>
+            <a:spLocks noGrp="1"/>
+          </p:cNvSpPr>
+          <p:nvPr>
+            <p:ph type="title"/>
+          </p:nvPr>
+        </p:nvSpPr>
+        <p:spPr/>
+        <p:txBody>
+          <a:bodyPr/>
+          <a:lstStyle/>
+          <a:p>
+            <a:r>
+              <a:rPr lang="de-DE" b="1" u="sng">
+                <a:cs typeface="Posterama"/>
+              </a:rPr>
+              <a:t>Quellen</a:t>
+            </a:r>
+            <a:endParaRPr lang="de-DE" b="1" u="sng" dirty="0">
+              <a:cs typeface="Posterama"/>
+            </a:endParaRPr>
+          </a:p>
+        </p:txBody>
+      </p:sp>
+      <p:sp>
+        <p:nvSpPr>
+          <p:cNvPr id="6" name="Foliennummernplatzhalter 5">
+            <a:extLst>
+              <a:ext uri="{FF2B5EF4-FFF2-40B4-BE49-F238E27FC236}">
+                <a16:creationId xmlns:a16="http://schemas.microsoft.com/office/drawing/2014/main" id="{0B3B694B-D6C8-2F79-4333-FB4131EDD6F0}"/>
+              </a:ext>
+            </a:extLst>
+          </p:cNvPr>
+          <p:cNvSpPr>
+            <a:spLocks noGrp="1"/>
+          </p:cNvSpPr>
+          <p:nvPr>
+            <p:ph type="sldNum" sz="quarter" idx="12"/>
+          </p:nvPr>
+        </p:nvSpPr>
+        <p:spPr/>
+        <p:txBody>
+          <a:bodyPr/>
+          <a:lstStyle/>
+          <a:p>
+            <a:fld id="{1F646F3F-274D-499B-ABBE-824EB4ABDC3D}" type="slidenum">
+              <a:rPr lang="en-US" smtClean="0"/>
+              <a:t>16</a:t>
+            </a:fld>
+            <a:endParaRPr lang="de-DE"/>
+          </a:p>
+        </p:txBody>
+      </p:sp>
+      <p:sp>
+        <p:nvSpPr>
+          <p:cNvPr id="11" name="Inhaltsplatzhalter 10">
+            <a:extLst>
+              <a:ext uri="{FF2B5EF4-FFF2-40B4-BE49-F238E27FC236}">
+                <a16:creationId xmlns:a16="http://schemas.microsoft.com/office/drawing/2014/main" id="{B4BC7739-1439-F679-8F14-48434F36315D}"/>
+              </a:ext>
+            </a:extLst>
+          </p:cNvPr>
+          <p:cNvSpPr>
+            <a:spLocks noGrp="1"/>
+          </p:cNvSpPr>
+          <p:nvPr>
+            <p:ph idx="1"/>
+          </p:nvPr>
+        </p:nvSpPr>
+        <p:spPr>
+          <a:xfrm>
+            <a:off x="609600" y="2106205"/>
+            <a:ext cx="10972800" cy="3823948"/>
+          </a:xfrm>
+        </p:spPr>
+        <p:txBody>
+          <a:bodyPr vert="horz" lIns="91440" tIns="45720" rIns="91440" bIns="45720" rtlCol="0" anchor="t">
+            <a:normAutofit/>
+          </a:bodyPr>
+          <a:lstStyle/>
+          <a:p>
+            <a:pPr marL="457200" indent="-457200">
+              <a:buFont typeface="Arial"/>
+              <a:buChar char="•"/>
+            </a:pPr>
+            <a:r>
+              <a:rPr lang="de-DE" sz="2800" dirty="0">
+                <a:ea typeface="+mn-lt"/>
+                <a:cs typeface="+mn-lt"/>
+              </a:rPr>
+              <a:t>https://github.com/ksrvap/Audio-classification-using-SVM-and-CNN/blob/main/Audio_Classification.py</a:t>
+            </a:r>
+            <a:endParaRPr lang="de-DE"/>
+          </a:p>
+          <a:p>
+            <a:pPr marL="457200" indent="-457200">
+              <a:buFont typeface="Arial"/>
+              <a:buChar char="•"/>
+            </a:pPr>
+            <a:r>
+              <a:rPr lang="de-DE" sz="2800" dirty="0">
+                <a:ea typeface="+mn-lt"/>
+                <a:cs typeface="+mn-lt"/>
+              </a:rPr>
+              <a:t>https://scikit-learn.org/stable/model_selection.html</a:t>
+            </a:r>
+          </a:p>
+        </p:txBody>
+      </p:sp>
+      <p:pic>
+        <p:nvPicPr>
+          <p:cNvPr id="13" name="Grafik 12" descr="Ein Bild, das Text, Schrift, Grafiken, Screenshot enthält.">
+            <a:extLst>
+              <a:ext uri="{FF2B5EF4-FFF2-40B4-BE49-F238E27FC236}">
+                <a16:creationId xmlns:a16="http://schemas.microsoft.com/office/drawing/2014/main" id="{59C4F499-CA8B-E74C-952C-A6F9C14BF1C5}"/>
+              </a:ext>
+            </a:extLst>
+          </p:cNvPr>
+          <p:cNvPicPr>
+            <a:picLocks noChangeAspect="1"/>
+          </p:cNvPicPr>
+          <p:nvPr/>
+        </p:nvPicPr>
+        <p:blipFill>
+          <a:blip r:embed="rId2"/>
+          <a:stretch>
+            <a:fillRect/>
+          </a:stretch>
+        </p:blipFill>
+        <p:spPr>
+          <a:xfrm>
+            <a:off x="8125355" y="47624"/>
+            <a:ext cx="3738563" cy="678658"/>
+          </a:xfrm>
+          <a:prstGeom prst="rect">
+            <a:avLst/>
+          </a:prstGeom>
+        </p:spPr>
+      </p:pic>
+    </p:spTree>
+    <p:extLst>
+      <p:ext uri="{BB962C8B-B14F-4D97-AF65-F5344CB8AC3E}">
+        <p14:creationId xmlns:p14="http://schemas.microsoft.com/office/powerpoint/2010/main" val="2492600746"/>
+      </p:ext>
+    </p:extLst>
+  </p:cSld>
+  <p:clrMapOvr>
+    <a:masterClrMapping/>
+  </p:clrMapOvr>
+</p:sld>
+</file>
+
+<file path=ppt/slides/slide17.xml><?xml version="1.0" encoding="utf-8"?>
 <p:sld xmlns:a="http://schemas.openxmlformats.org/drawingml/2006/main" xmlns:r="http://schemas.openxmlformats.org/officeDocument/2006/relationships" xmlns:p="http://schemas.openxmlformats.org/presentationml/2006/main">
   <p:cSld>
     <p:spTree>
@@ -5849,18 +6231,38 @@
           </a:xfrm>
         </p:spPr>
         <p:txBody>
-          <a:bodyPr/>
+          <a:bodyPr>
+            <a:normAutofit fontScale="90000"/>
+          </a:bodyPr>
           <a:lstStyle/>
           <a:p>
             <a:pPr algn="ctr"/>
             <a:r>
+              <a:rPr lang="de-DE" sz="4800" b="1" u="sng">
+                <a:latin typeface="Lucida Bright"/>
+                <a:cs typeface="Posterama"/>
+              </a:rPr>
+              <a:t>Danke für Ihre Aufmerksamkeit.</a:t>
+            </a:r>
+            <a:br>
               <a:rPr lang="de-DE" sz="4800" b="1" u="sng" dirty="0">
                 <a:latin typeface="Lucida Bright"/>
                 <a:cs typeface="Posterama"/>
               </a:rPr>
-              <a:t>Danke für Ihre Aufmerksamkeit.</a:t>
-            </a:r>
-            <a:endParaRPr lang="de-DE" dirty="0"/>
+            </a:br>
+            <a:br>
+              <a:rPr lang="de-DE" sz="4800" b="1" u="sng" dirty="0">
+                <a:latin typeface="Lucida Bright"/>
+                <a:cs typeface="Posterama"/>
+              </a:rPr>
+            </a:br>
+            <a:r>
+              <a:rPr lang="de-DE" sz="4800" b="1" u="sng">
+                <a:latin typeface="Lucida Bright"/>
+                <a:cs typeface="Posterama"/>
+              </a:rPr>
+              <a:t>Fragen ?</a:t>
+            </a:r>
           </a:p>
         </p:txBody>
       </p:sp>
@@ -5887,7 +6289,7 @@
           <a:p>
             <a:fld id="{1F646F3F-274D-499B-ABBE-824EB4ABDC3D}" type="slidenum">
               <a:rPr lang="en-US" smtClean="0"/>
-              <a:t>15</a:t>
+              <a:t>17</a:t>
             </a:fld>
             <a:endParaRPr lang="de-DE"/>
           </a:p>
@@ -8016,12 +8418,13 @@
           <a:lstStyle/>
           <a:p>
             <a:r>
-              <a:rPr lang="de-DE" b="1" u="sng" dirty="0">
+              <a:rPr lang="de-DE" b="1" u="sng">
                 <a:latin typeface="Posterama"/>
                 <a:cs typeface="Posterama"/>
               </a:rPr>
-              <a:t>Aufbau SVM</a:t>
-            </a:r>
+              <a:t>Vergleiche SVM</a:t>
+            </a:r>
+            <a:endParaRPr lang="de-DE"/>
           </a:p>
         </p:txBody>
       </p:sp>
@@ -8084,81 +8487,1737 @@
           </a:prstGeom>
         </p:spPr>
       </p:pic>
-      <p:sp>
-        <p:nvSpPr>
-          <p:cNvPr id="9" name="Inhaltsplatzhalter 10">
-            <a:extLst>
-              <a:ext uri="{FF2B5EF4-FFF2-40B4-BE49-F238E27FC236}">
-                <a16:creationId xmlns:a16="http://schemas.microsoft.com/office/drawing/2014/main" id="{B087DA7B-6508-4CB0-6707-2F54F659CCF9}"/>
-              </a:ext>
-            </a:extLst>
-          </p:cNvPr>
-          <p:cNvSpPr>
-            <a:spLocks noGrp="1"/>
-          </p:cNvSpPr>
+      <p:graphicFrame>
+        <p:nvGraphicFramePr>
+          <p:cNvPr id="4" name="Inhaltsplatzhalter 3">
+            <a:extLst>
+              <a:ext uri="{FF2B5EF4-FFF2-40B4-BE49-F238E27FC236}">
+                <a16:creationId xmlns:a16="http://schemas.microsoft.com/office/drawing/2014/main" id="{32465114-DDAB-D4CD-347C-DFE853BCC988}"/>
+              </a:ext>
+            </a:extLst>
+          </p:cNvPr>
+          <p:cNvGraphicFramePr>
+            <a:graphicFrameLocks noGrp="1"/>
+          </p:cNvGraphicFramePr>
           <p:nvPr>
             <p:ph idx="1"/>
-          </p:nvPr>
-        </p:nvSpPr>
-        <p:spPr>
-          <a:xfrm>
-            <a:off x="609599" y="2106205"/>
-            <a:ext cx="7515755" cy="4528638"/>
-          </a:xfrm>
-        </p:spPr>
-        <p:txBody>
-          <a:bodyPr vert="horz" lIns="91440" tIns="45720" rIns="91440" bIns="45720" rtlCol="0" anchor="t">
-            <a:normAutofit/>
-          </a:bodyPr>
-          <a:lstStyle/>
-          <a:p>
-            <a:pPr marL="514350" indent="-514350">
-              <a:buAutoNum type="arabicPeriod"/>
-            </a:pPr>
-            <a:r>
-              <a:rPr lang="de-DE" sz="2800" dirty="0">
-                <a:cs typeface="Arial"/>
-              </a:rPr>
-              <a:t>Input </a:t>
-            </a:r>
-            <a:endParaRPr lang="de-DE" dirty="0"/>
-          </a:p>
-          <a:p>
-            <a:pPr marL="514350" indent="-514350">
-              <a:buAutoNum type="arabicPeriod"/>
-            </a:pPr>
-            <a:r>
-              <a:rPr lang="de-DE" sz="2800" dirty="0">
-                <a:cs typeface="Arial"/>
-              </a:rPr>
-              <a:t>Features-Extraktion (1D-Array)</a:t>
-            </a:r>
-            <a:endParaRPr lang="de-DE" dirty="0"/>
-          </a:p>
-          <a:p>
-            <a:pPr marL="514350" indent="-514350">
-              <a:buAutoNum type="arabicPeriod"/>
-            </a:pPr>
-            <a:r>
-              <a:rPr lang="de-DE" sz="2800" dirty="0">
-                <a:cs typeface="Arial"/>
-              </a:rPr>
-              <a:t>Modelltraining und Parameter-Tuning</a:t>
-            </a:r>
-          </a:p>
-          <a:p>
-            <a:pPr marL="514350" indent="-514350">
-              <a:buAutoNum type="arabicPeriod"/>
-            </a:pPr>
-            <a:r>
-              <a:rPr lang="de-DE" sz="2800" dirty="0">
-                <a:cs typeface="Arial"/>
-              </a:rPr>
-              <a:t>Modellbewertung und Visualisierung</a:t>
-            </a:r>
-          </a:p>
-        </p:txBody>
-      </p:sp>
+            <p:extLst>
+              <p:ext uri="{D42A27DB-BD31-4B8C-83A1-F6EECF244321}">
+                <p14:modId xmlns:p14="http://schemas.microsoft.com/office/powerpoint/2010/main" val="2566695302"/>
+              </p:ext>
+            </p:extLst>
+          </p:nvPr>
+        </p:nvGraphicFramePr>
+        <p:xfrm>
+          <a:off x="1309076" y="2266461"/>
+          <a:ext cx="10136742" cy="3574344"/>
+        </p:xfrm>
+        <a:graphic>
+          <a:graphicData uri="http://schemas.openxmlformats.org/drawingml/2006/table">
+            <a:tbl>
+              <a:tblPr bandRow="1">
+                <a:tableStyleId>{5C22544A-7EE6-4342-B048-85BDC9FD1C3A}</a:tableStyleId>
+              </a:tblPr>
+              <a:tblGrid>
+                <a:gridCol w="3378914">
+                  <a:extLst>
+                    <a:ext uri="{9D8B030D-6E8A-4147-A177-3AD203B41FA5}">
+                      <a16:colId xmlns:a16="http://schemas.microsoft.com/office/drawing/2014/main" val="3656775417"/>
+                    </a:ext>
+                  </a:extLst>
+                </a:gridCol>
+                <a:gridCol w="3378914">
+                  <a:extLst>
+                    <a:ext uri="{9D8B030D-6E8A-4147-A177-3AD203B41FA5}">
+                      <a16:colId xmlns:a16="http://schemas.microsoft.com/office/drawing/2014/main" val="3669023132"/>
+                    </a:ext>
+                  </a:extLst>
+                </a:gridCol>
+                <a:gridCol w="3378914">
+                  <a:extLst>
+                    <a:ext uri="{9D8B030D-6E8A-4147-A177-3AD203B41FA5}">
+                      <a16:colId xmlns:a16="http://schemas.microsoft.com/office/drawing/2014/main" val="3959189761"/>
+                    </a:ext>
+                  </a:extLst>
+                </a:gridCol>
+              </a:tblGrid>
+              <a:tr h="364984">
+                <a:tc>
+                  <a:txBody>
+                    <a:bodyPr/>
+                    <a:lstStyle/>
+                    <a:p>
+                      <a:endParaRPr lang="de-DE" dirty="0"/>
+                    </a:p>
+                  </a:txBody>
+                  <a:tcPr anchor="ctr">
+                    <a:lnL>
+                      <a:noFill/>
+                    </a:lnL>
+                    <a:lnR>
+                      <a:noFill/>
+                    </a:lnR>
+                    <a:lnT>
+                      <a:noFill/>
+                    </a:lnT>
+                    <a:lnB>
+                      <a:noFill/>
+                    </a:lnB>
+                    <a:noFill/>
+                  </a:tcPr>
+                </a:tc>
+                <a:tc>
+                  <a:txBody>
+                    <a:bodyPr/>
+                    <a:lstStyle/>
+                    <a:p>
+                      <a:endParaRPr lang="de-DE" dirty="0"/>
+                    </a:p>
+                  </a:txBody>
+                  <a:tcPr anchor="ctr">
+                    <a:lnL>
+                      <a:noFill/>
+                    </a:lnL>
+                    <a:lnR>
+                      <a:noFill/>
+                    </a:lnR>
+                    <a:lnT>
+                      <a:noFill/>
+                    </a:lnT>
+                    <a:lnB>
+                      <a:noFill/>
+                    </a:lnB>
+                    <a:noFill/>
+                  </a:tcPr>
+                </a:tc>
+                <a:tc>
+                  <a:txBody>
+                    <a:bodyPr/>
+                    <a:lstStyle/>
+                    <a:p>
+                      <a:endParaRPr lang="de-DE" sz="1200" dirty="0"/>
+                    </a:p>
+                  </a:txBody>
+                  <a:tcPr anchor="ctr">
+                    <a:lnL>
+                      <a:noFill/>
+                    </a:lnL>
+                    <a:lnR>
+                      <a:noFill/>
+                    </a:lnR>
+                    <a:lnT>
+                      <a:noFill/>
+                    </a:lnT>
+                    <a:lnB>
+                      <a:noFill/>
+                    </a:lnB>
+                    <a:noFill/>
+                  </a:tcPr>
+                </a:tc>
+                <a:extLst>
+                  <a:ext uri="{0D108BD9-81ED-4DB2-BD59-A6C34878D82A}">
+                    <a16:rowId xmlns:a16="http://schemas.microsoft.com/office/drawing/2014/main" val="3143686041"/>
+                  </a:ext>
+                </a:extLst>
+              </a:tr>
+              <a:tr h="500549">
+                <a:tc>
+                  <a:txBody>
+                    <a:bodyPr/>
+                    <a:lstStyle/>
+                    <a:p>
+                      <a:endParaRPr lang="de-DE" sz="1400" b="1" dirty="0"/>
+                    </a:p>
+                  </a:txBody>
+                  <a:tcPr anchor="ctr">
+                    <a:lnL>
+                      <a:noFill/>
+                    </a:lnL>
+                    <a:lnR>
+                      <a:noFill/>
+                    </a:lnR>
+                    <a:lnT>
+                      <a:noFill/>
+                    </a:lnT>
+                    <a:lnB>
+                      <a:noFill/>
+                    </a:lnB>
+                    <a:noFill/>
+                  </a:tcPr>
+                </a:tc>
+                <a:tc>
+                  <a:txBody>
+                    <a:bodyPr/>
+                    <a:lstStyle/>
+                    <a:p>
+                      <a:endParaRPr lang="de-DE" sz="1200" dirty="0"/>
+                    </a:p>
+                  </a:txBody>
+                  <a:tcPr anchor="ctr">
+                    <a:lnL>
+                      <a:noFill/>
+                    </a:lnL>
+                    <a:lnR>
+                      <a:noFill/>
+                    </a:lnR>
+                    <a:lnT>
+                      <a:noFill/>
+                    </a:lnT>
+                    <a:lnB>
+                      <a:noFill/>
+                    </a:lnB>
+                    <a:noFill/>
+                  </a:tcPr>
+                </a:tc>
+                <a:tc>
+                  <a:txBody>
+                    <a:bodyPr/>
+                    <a:lstStyle/>
+                    <a:p>
+                      <a:endParaRPr lang="de-DE" sz="1200" dirty="0"/>
+                    </a:p>
+                  </a:txBody>
+                  <a:tcPr anchor="ctr">
+                    <a:lnL>
+                      <a:noFill/>
+                    </a:lnL>
+                    <a:lnR>
+                      <a:noFill/>
+                    </a:lnR>
+                    <a:lnT>
+                      <a:noFill/>
+                    </a:lnT>
+                    <a:lnB>
+                      <a:noFill/>
+                    </a:lnB>
+                    <a:noFill/>
+                  </a:tcPr>
+                </a:tc>
+                <a:extLst>
+                  <a:ext uri="{0D108BD9-81ED-4DB2-BD59-A6C34878D82A}">
+                    <a16:rowId xmlns:a16="http://schemas.microsoft.com/office/drawing/2014/main" val="1600946285"/>
+                  </a:ext>
+                </a:extLst>
+              </a:tr>
+              <a:tr h="583974">
+                <a:tc>
+                  <a:txBody>
+                    <a:bodyPr/>
+                    <a:lstStyle/>
+                    <a:p>
+                      <a:endParaRPr lang="de-DE" sz="1400" b="1" dirty="0"/>
+                    </a:p>
+                  </a:txBody>
+                  <a:tcPr anchor="ctr">
+                    <a:lnL>
+                      <a:noFill/>
+                    </a:lnL>
+                    <a:lnR>
+                      <a:noFill/>
+                    </a:lnR>
+                    <a:lnT>
+                      <a:noFill/>
+                    </a:lnT>
+                    <a:lnB>
+                      <a:noFill/>
+                    </a:lnB>
+                    <a:noFill/>
+                  </a:tcPr>
+                </a:tc>
+                <a:tc>
+                  <a:txBody>
+                    <a:bodyPr/>
+                    <a:lstStyle/>
+                    <a:p>
+                      <a:endParaRPr lang="de-DE" sz="1200" dirty="0"/>
+                    </a:p>
+                  </a:txBody>
+                  <a:tcPr anchor="ctr">
+                    <a:lnL>
+                      <a:noFill/>
+                    </a:lnL>
+                    <a:lnR>
+                      <a:noFill/>
+                    </a:lnR>
+                    <a:lnT>
+                      <a:noFill/>
+                    </a:lnT>
+                    <a:lnB>
+                      <a:noFill/>
+                    </a:lnB>
+                    <a:noFill/>
+                  </a:tcPr>
+                </a:tc>
+                <a:tc>
+                  <a:txBody>
+                    <a:bodyPr/>
+                    <a:lstStyle/>
+                    <a:p>
+                      <a:endParaRPr lang="de-DE" sz="1200" dirty="0"/>
+                    </a:p>
+                  </a:txBody>
+                  <a:tcPr anchor="ctr">
+                    <a:lnL>
+                      <a:noFill/>
+                    </a:lnL>
+                    <a:lnR>
+                      <a:noFill/>
+                    </a:lnR>
+                    <a:lnT>
+                      <a:noFill/>
+                    </a:lnT>
+                    <a:lnB>
+                      <a:noFill/>
+                    </a:lnB>
+                    <a:noFill/>
+                  </a:tcPr>
+                </a:tc>
+                <a:extLst>
+                  <a:ext uri="{0D108BD9-81ED-4DB2-BD59-A6C34878D82A}">
+                    <a16:rowId xmlns:a16="http://schemas.microsoft.com/office/drawing/2014/main" val="298215717"/>
+                  </a:ext>
+                </a:extLst>
+              </a:tr>
+              <a:tr h="354556">
+                <a:tc>
+                  <a:txBody>
+                    <a:bodyPr/>
+                    <a:lstStyle/>
+                    <a:p>
+                      <a:endParaRPr lang="de-DE" sz="1400" b="1" dirty="0"/>
+                    </a:p>
+                  </a:txBody>
+                  <a:tcPr anchor="ctr">
+                    <a:lnL>
+                      <a:noFill/>
+                    </a:lnL>
+                    <a:lnR>
+                      <a:noFill/>
+                    </a:lnR>
+                    <a:lnT>
+                      <a:noFill/>
+                    </a:lnT>
+                    <a:lnB>
+                      <a:noFill/>
+                    </a:lnB>
+                    <a:noFill/>
+                  </a:tcPr>
+                </a:tc>
+                <a:tc>
+                  <a:txBody>
+                    <a:bodyPr/>
+                    <a:lstStyle/>
+                    <a:p>
+                      <a:endParaRPr lang="de-DE" sz="1200" b="1" dirty="0"/>
+                    </a:p>
+                  </a:txBody>
+                  <a:tcPr anchor="ctr">
+                    <a:lnL>
+                      <a:noFill/>
+                    </a:lnL>
+                    <a:lnR>
+                      <a:noFill/>
+                    </a:lnR>
+                    <a:lnT>
+                      <a:noFill/>
+                    </a:lnT>
+                    <a:lnB>
+                      <a:noFill/>
+                    </a:lnB>
+                    <a:noFill/>
+                  </a:tcPr>
+                </a:tc>
+                <a:tc>
+                  <a:txBody>
+                    <a:bodyPr/>
+                    <a:lstStyle/>
+                    <a:p>
+                      <a:endParaRPr lang="de-DE" sz="1200" dirty="0"/>
+                    </a:p>
+                  </a:txBody>
+                  <a:tcPr anchor="ctr">
+                    <a:lnL>
+                      <a:noFill/>
+                    </a:lnL>
+                    <a:lnR>
+                      <a:noFill/>
+                    </a:lnR>
+                    <a:lnT>
+                      <a:noFill/>
+                    </a:lnT>
+                    <a:lnB>
+                      <a:noFill/>
+                    </a:lnB>
+                    <a:noFill/>
+                  </a:tcPr>
+                </a:tc>
+                <a:extLst>
+                  <a:ext uri="{0D108BD9-81ED-4DB2-BD59-A6C34878D82A}">
+                    <a16:rowId xmlns:a16="http://schemas.microsoft.com/office/drawing/2014/main" val="479504400"/>
+                  </a:ext>
+                </a:extLst>
+              </a:tr>
+              <a:tr h="302415">
+                <a:tc>
+                  <a:txBody>
+                    <a:bodyPr/>
+                    <a:lstStyle/>
+                    <a:p>
+                      <a:endParaRPr lang="de-DE" sz="1400" b="1" dirty="0"/>
+                    </a:p>
+                  </a:txBody>
+                  <a:tcPr anchor="ctr">
+                    <a:lnL>
+                      <a:noFill/>
+                    </a:lnL>
+                    <a:lnR>
+                      <a:noFill/>
+                    </a:lnR>
+                    <a:lnT>
+                      <a:noFill/>
+                    </a:lnT>
+                    <a:lnB>
+                      <a:noFill/>
+                    </a:lnB>
+                    <a:noFill/>
+                  </a:tcPr>
+                </a:tc>
+                <a:tc>
+                  <a:txBody>
+                    <a:bodyPr/>
+                    <a:lstStyle/>
+                    <a:p>
+                      <a:endParaRPr lang="de-DE" sz="1200" b="1" dirty="0"/>
+                    </a:p>
+                  </a:txBody>
+                  <a:tcPr anchor="ctr">
+                    <a:lnL>
+                      <a:noFill/>
+                    </a:lnL>
+                    <a:lnR>
+                      <a:noFill/>
+                    </a:lnR>
+                    <a:lnT>
+                      <a:noFill/>
+                    </a:lnT>
+                    <a:lnB>
+                      <a:noFill/>
+                    </a:lnB>
+                    <a:noFill/>
+                  </a:tcPr>
+                </a:tc>
+                <a:tc>
+                  <a:txBody>
+                    <a:bodyPr/>
+                    <a:lstStyle/>
+                    <a:p>
+                      <a:endParaRPr lang="de-DE" sz="1200" dirty="0"/>
+                    </a:p>
+                  </a:txBody>
+                  <a:tcPr anchor="ctr">
+                    <a:lnL>
+                      <a:noFill/>
+                    </a:lnL>
+                    <a:lnR>
+                      <a:noFill/>
+                    </a:lnR>
+                    <a:lnT>
+                      <a:noFill/>
+                    </a:lnT>
+                    <a:lnB>
+                      <a:noFill/>
+                    </a:lnB>
+                    <a:noFill/>
+                  </a:tcPr>
+                </a:tc>
+                <a:extLst>
+                  <a:ext uri="{0D108BD9-81ED-4DB2-BD59-A6C34878D82A}">
+                    <a16:rowId xmlns:a16="http://schemas.microsoft.com/office/drawing/2014/main" val="2616655324"/>
+                  </a:ext>
+                </a:extLst>
+              </a:tr>
+              <a:tr h="302415">
+                <a:tc>
+                  <a:txBody>
+                    <a:bodyPr/>
+                    <a:lstStyle/>
+                    <a:p>
+                      <a:endParaRPr lang="de-DE" sz="1400" b="1" dirty="0"/>
+                    </a:p>
+                  </a:txBody>
+                  <a:tcPr anchor="ctr">
+                    <a:lnL>
+                      <a:noFill/>
+                    </a:lnL>
+                    <a:lnR>
+                      <a:noFill/>
+                    </a:lnR>
+                    <a:lnT>
+                      <a:noFill/>
+                    </a:lnT>
+                    <a:lnB>
+                      <a:noFill/>
+                    </a:lnB>
+                    <a:noFill/>
+                  </a:tcPr>
+                </a:tc>
+                <a:tc>
+                  <a:txBody>
+                    <a:bodyPr/>
+                    <a:lstStyle/>
+                    <a:p>
+                      <a:endParaRPr lang="de-DE" sz="1200" b="1" dirty="0"/>
+                    </a:p>
+                  </a:txBody>
+                  <a:tcPr anchor="ctr">
+                    <a:lnL>
+                      <a:noFill/>
+                    </a:lnL>
+                    <a:lnR>
+                      <a:noFill/>
+                    </a:lnR>
+                    <a:lnT>
+                      <a:noFill/>
+                    </a:lnT>
+                    <a:lnB>
+                      <a:noFill/>
+                    </a:lnB>
+                    <a:noFill/>
+                  </a:tcPr>
+                </a:tc>
+                <a:tc>
+                  <a:txBody>
+                    <a:bodyPr/>
+                    <a:lstStyle/>
+                    <a:p>
+                      <a:endParaRPr lang="de-DE" sz="1200" dirty="0"/>
+                    </a:p>
+                  </a:txBody>
+                  <a:tcPr anchor="ctr">
+                    <a:lnL>
+                      <a:noFill/>
+                    </a:lnL>
+                    <a:lnR>
+                      <a:noFill/>
+                    </a:lnR>
+                    <a:lnT>
+                      <a:noFill/>
+                    </a:lnT>
+                    <a:lnB>
+                      <a:noFill/>
+                    </a:lnB>
+                    <a:noFill/>
+                  </a:tcPr>
+                </a:tc>
+                <a:extLst>
+                  <a:ext uri="{0D108BD9-81ED-4DB2-BD59-A6C34878D82A}">
+                    <a16:rowId xmlns:a16="http://schemas.microsoft.com/office/drawing/2014/main" val="120158733"/>
+                  </a:ext>
+                </a:extLst>
+              </a:tr>
+              <a:tr h="302415">
+                <a:tc>
+                  <a:txBody>
+                    <a:bodyPr/>
+                    <a:lstStyle/>
+                    <a:p>
+                      <a:endParaRPr lang="de-DE" sz="1400" b="1" dirty="0"/>
+                    </a:p>
+                  </a:txBody>
+                  <a:tcPr anchor="ctr">
+                    <a:lnL>
+                      <a:noFill/>
+                    </a:lnL>
+                    <a:lnR>
+                      <a:noFill/>
+                    </a:lnR>
+                    <a:lnT>
+                      <a:noFill/>
+                    </a:lnT>
+                    <a:lnB>
+                      <a:noFill/>
+                    </a:lnB>
+                    <a:noFill/>
+                  </a:tcPr>
+                </a:tc>
+                <a:tc>
+                  <a:txBody>
+                    <a:bodyPr/>
+                    <a:lstStyle/>
+                    <a:p>
+                      <a:endParaRPr lang="de-DE" sz="1200" b="1" dirty="0"/>
+                    </a:p>
+                  </a:txBody>
+                  <a:tcPr anchor="ctr">
+                    <a:lnL>
+                      <a:noFill/>
+                    </a:lnL>
+                    <a:lnR>
+                      <a:noFill/>
+                    </a:lnR>
+                    <a:lnT>
+                      <a:noFill/>
+                    </a:lnT>
+                    <a:lnB>
+                      <a:noFill/>
+                    </a:lnB>
+                    <a:noFill/>
+                  </a:tcPr>
+                </a:tc>
+                <a:tc>
+                  <a:txBody>
+                    <a:bodyPr/>
+                    <a:lstStyle/>
+                    <a:p>
+                      <a:endParaRPr lang="de-DE" sz="1200" dirty="0"/>
+                    </a:p>
+                  </a:txBody>
+                  <a:tcPr anchor="ctr">
+                    <a:lnL>
+                      <a:noFill/>
+                    </a:lnL>
+                    <a:lnR>
+                      <a:noFill/>
+                    </a:lnR>
+                    <a:lnT>
+                      <a:noFill/>
+                    </a:lnT>
+                    <a:lnB>
+                      <a:noFill/>
+                    </a:lnB>
+                    <a:noFill/>
+                  </a:tcPr>
+                </a:tc>
+                <a:extLst>
+                  <a:ext uri="{0D108BD9-81ED-4DB2-BD59-A6C34878D82A}">
+                    <a16:rowId xmlns:a16="http://schemas.microsoft.com/office/drawing/2014/main" val="1748559461"/>
+                  </a:ext>
+                </a:extLst>
+              </a:tr>
+              <a:tr h="448409">
+                <a:tc>
+                  <a:txBody>
+                    <a:bodyPr/>
+                    <a:lstStyle/>
+                    <a:p>
+                      <a:endParaRPr lang="de-DE" sz="1400" b="1" dirty="0"/>
+                    </a:p>
+                  </a:txBody>
+                  <a:tcPr anchor="ctr">
+                    <a:lnL>
+                      <a:noFill/>
+                    </a:lnL>
+                    <a:lnR>
+                      <a:noFill/>
+                    </a:lnR>
+                    <a:lnT>
+                      <a:noFill/>
+                    </a:lnT>
+                    <a:lnB>
+                      <a:noFill/>
+                    </a:lnB>
+                    <a:noFill/>
+                  </a:tcPr>
+                </a:tc>
+                <a:tc>
+                  <a:txBody>
+                    <a:bodyPr/>
+                    <a:lstStyle/>
+                    <a:p>
+                      <a:endParaRPr lang="de-DE" sz="1200" dirty="0"/>
+                    </a:p>
+                  </a:txBody>
+                  <a:tcPr anchor="ctr">
+                    <a:lnL>
+                      <a:noFill/>
+                    </a:lnL>
+                    <a:lnR>
+                      <a:noFill/>
+                    </a:lnR>
+                    <a:lnT>
+                      <a:noFill/>
+                    </a:lnT>
+                    <a:lnB>
+                      <a:noFill/>
+                    </a:lnB>
+                    <a:noFill/>
+                  </a:tcPr>
+                </a:tc>
+                <a:tc>
+                  <a:txBody>
+                    <a:bodyPr/>
+                    <a:lstStyle/>
+                    <a:p>
+                      <a:endParaRPr lang="de-DE" sz="1200" dirty="0"/>
+                    </a:p>
+                  </a:txBody>
+                  <a:tcPr anchor="ctr">
+                    <a:lnL>
+                      <a:noFill/>
+                    </a:lnL>
+                    <a:lnR>
+                      <a:noFill/>
+                    </a:lnR>
+                    <a:lnT>
+                      <a:noFill/>
+                    </a:lnT>
+                    <a:lnB>
+                      <a:noFill/>
+                    </a:lnB>
+                    <a:noFill/>
+                  </a:tcPr>
+                </a:tc>
+                <a:extLst>
+                  <a:ext uri="{0D108BD9-81ED-4DB2-BD59-A6C34878D82A}">
+                    <a16:rowId xmlns:a16="http://schemas.microsoft.com/office/drawing/2014/main" val="3119638274"/>
+                  </a:ext>
+                </a:extLst>
+              </a:tr>
+              <a:tr h="406696">
+                <a:tc>
+                  <a:txBody>
+                    <a:bodyPr/>
+                    <a:lstStyle/>
+                    <a:p>
+                      <a:endParaRPr lang="de-DE" sz="1400" b="1" dirty="0"/>
+                    </a:p>
+                  </a:txBody>
+                  <a:tcPr anchor="ctr">
+                    <a:lnL>
+                      <a:noFill/>
+                    </a:lnL>
+                    <a:lnR>
+                      <a:noFill/>
+                    </a:lnR>
+                    <a:lnT>
+                      <a:noFill/>
+                    </a:lnT>
+                    <a:lnB>
+                      <a:noFill/>
+                    </a:lnB>
+                    <a:noFill/>
+                  </a:tcPr>
+                </a:tc>
+                <a:tc>
+                  <a:txBody>
+                    <a:bodyPr/>
+                    <a:lstStyle/>
+                    <a:p>
+                      <a:endParaRPr lang="de-DE" sz="1200" dirty="0"/>
+                    </a:p>
+                  </a:txBody>
+                  <a:tcPr anchor="ctr">
+                    <a:lnL>
+                      <a:noFill/>
+                    </a:lnL>
+                    <a:lnR>
+                      <a:noFill/>
+                    </a:lnR>
+                    <a:lnT>
+                      <a:noFill/>
+                    </a:lnT>
+                    <a:lnB>
+                      <a:noFill/>
+                    </a:lnB>
+                    <a:noFill/>
+                  </a:tcPr>
+                </a:tc>
+                <a:tc>
+                  <a:txBody>
+                    <a:bodyPr/>
+                    <a:lstStyle/>
+                    <a:p>
+                      <a:endParaRPr lang="de-DE" sz="1200" dirty="0"/>
+                    </a:p>
+                  </a:txBody>
+                  <a:tcPr anchor="ctr">
+                    <a:lnL>
+                      <a:noFill/>
+                    </a:lnL>
+                    <a:lnR>
+                      <a:noFill/>
+                    </a:lnR>
+                    <a:lnT>
+                      <a:noFill/>
+                    </a:lnT>
+                    <a:lnB>
+                      <a:noFill/>
+                    </a:lnB>
+                    <a:noFill/>
+                  </a:tcPr>
+                </a:tc>
+                <a:extLst>
+                  <a:ext uri="{0D108BD9-81ED-4DB2-BD59-A6C34878D82A}">
+                    <a16:rowId xmlns:a16="http://schemas.microsoft.com/office/drawing/2014/main" val="2000081339"/>
+                  </a:ext>
+                </a:extLst>
+              </a:tr>
+            </a:tbl>
+          </a:graphicData>
+        </a:graphic>
+      </p:graphicFrame>
+      <p:graphicFrame>
+        <p:nvGraphicFramePr>
+          <p:cNvPr id="7" name="Tabelle 6">
+            <a:extLst>
+              <a:ext uri="{FF2B5EF4-FFF2-40B4-BE49-F238E27FC236}">
+                <a16:creationId xmlns:a16="http://schemas.microsoft.com/office/drawing/2014/main" id="{CE98C9A4-A9B0-D8F2-BC24-8446495CEEC8}"/>
+              </a:ext>
+            </a:extLst>
+          </p:cNvPr>
+          <p:cNvGraphicFramePr>
+            <a:graphicFrameLocks noGrp="1"/>
+          </p:cNvGraphicFramePr>
+          <p:nvPr>
+            <p:extLst>
+              <p:ext uri="{D42A27DB-BD31-4B8C-83A1-F6EECF244321}">
+                <p14:modId xmlns:p14="http://schemas.microsoft.com/office/powerpoint/2010/main" val="2719903649"/>
+              </p:ext>
+            </p:extLst>
+          </p:nvPr>
+        </p:nvGraphicFramePr>
+        <p:xfrm>
+          <a:off x="1807307" y="2168769"/>
+          <a:ext cx="9133416" cy="3971267"/>
+        </p:xfrm>
+        <a:graphic>
+          <a:graphicData uri="http://schemas.openxmlformats.org/drawingml/2006/table">
+            <a:tbl>
+              <a:tblPr bandRow="1">
+                <a:tableStyleId>{5C22544A-7EE6-4342-B048-85BDC9FD1C3A}</a:tableStyleId>
+              </a:tblPr>
+              <a:tblGrid>
+                <a:gridCol w="3044472">
+                  <a:extLst>
+                    <a:ext uri="{9D8B030D-6E8A-4147-A177-3AD203B41FA5}">
+                      <a16:colId xmlns:a16="http://schemas.microsoft.com/office/drawing/2014/main" val="2174707792"/>
+                    </a:ext>
+                  </a:extLst>
+                </a:gridCol>
+                <a:gridCol w="3044472">
+                  <a:extLst>
+                    <a:ext uri="{9D8B030D-6E8A-4147-A177-3AD203B41FA5}">
+                      <a16:colId xmlns:a16="http://schemas.microsoft.com/office/drawing/2014/main" val="4258438530"/>
+                    </a:ext>
+                  </a:extLst>
+                </a:gridCol>
+                <a:gridCol w="3044472">
+                  <a:extLst>
+                    <a:ext uri="{9D8B030D-6E8A-4147-A177-3AD203B41FA5}">
+                      <a16:colId xmlns:a16="http://schemas.microsoft.com/office/drawing/2014/main" val="2735045627"/>
+                    </a:ext>
+                  </a:extLst>
+                </a:gridCol>
+              </a:tblGrid>
+              <a:tr h="414260">
+                <a:tc>
+                  <a:txBody>
+                    <a:bodyPr/>
+                    <a:lstStyle/>
+                    <a:p>
+                      <a:r>
+                        <a:rPr lang="de-DE" sz="1600" b="1"/>
+                        <a:t>Kriterium</a:t>
+                      </a:r>
+                    </a:p>
+                  </a:txBody>
+                  <a:tcPr anchor="ctr">
+                    <a:lnL>
+                      <a:noFill/>
+                    </a:lnL>
+                    <a:lnR>
+                      <a:noFill/>
+                    </a:lnR>
+                    <a:lnT>
+                      <a:noFill/>
+                    </a:lnT>
+                    <a:lnB>
+                      <a:noFill/>
+                    </a:lnB>
+                    <a:noFill/>
+                  </a:tcPr>
+                </a:tc>
+                <a:tc>
+                  <a:txBody>
+                    <a:bodyPr/>
+                    <a:lstStyle/>
+                    <a:p>
+                      <a:r>
+                        <a:rPr lang="de-DE" sz="1600" b="1"/>
+                        <a:t>RandomizedSearchCV</a:t>
+                      </a:r>
+                      <a:endParaRPr lang="de-DE" sz="1600"/>
+                    </a:p>
+                  </a:txBody>
+                  <a:tcPr anchor="ctr">
+                    <a:lnL>
+                      <a:noFill/>
+                    </a:lnL>
+                    <a:lnR>
+                      <a:noFill/>
+                    </a:lnR>
+                    <a:lnT>
+                      <a:noFill/>
+                    </a:lnT>
+                    <a:lnB>
+                      <a:noFill/>
+                    </a:lnB>
+                    <a:noFill/>
+                  </a:tcPr>
+                </a:tc>
+                <a:tc>
+                  <a:txBody>
+                    <a:bodyPr/>
+                    <a:lstStyle/>
+                    <a:p>
+                      <a:r>
+                        <a:rPr lang="de-DE" sz="1600" b="1"/>
+                        <a:t>Optuna</a:t>
+                      </a:r>
+                      <a:endParaRPr lang="de-DE" sz="1600"/>
+                    </a:p>
+                  </a:txBody>
+                  <a:tcPr anchor="ctr">
+                    <a:lnL>
+                      <a:noFill/>
+                    </a:lnL>
+                    <a:lnR>
+                      <a:noFill/>
+                    </a:lnR>
+                    <a:lnT>
+                      <a:noFill/>
+                    </a:lnT>
+                    <a:lnB>
+                      <a:noFill/>
+                    </a:lnB>
+                    <a:noFill/>
+                  </a:tcPr>
+                </a:tc>
+                <a:extLst>
+                  <a:ext uri="{0D108BD9-81ED-4DB2-BD59-A6C34878D82A}">
+                    <a16:rowId xmlns:a16="http://schemas.microsoft.com/office/drawing/2014/main" val="2025443520"/>
+                  </a:ext>
+                </a:extLst>
+              </a:tr>
+              <a:tr h="414260">
+                <a:tc>
+                  <a:txBody>
+                    <a:bodyPr/>
+                    <a:lstStyle/>
+                    <a:p>
+                      <a:r>
+                        <a:rPr lang="de-DE" sz="1400" b="1">
+                          <a:latin typeface="Avenir Next LT Pro"/>
+                        </a:rPr>
+                        <a:t>Optimierungsmethode</a:t>
+                      </a:r>
+                      <a:endParaRPr lang="de-DE" sz="1400">
+                        <a:latin typeface="Avenir Next LT Pro"/>
+                      </a:endParaRPr>
+                    </a:p>
+                  </a:txBody>
+                  <a:tcPr anchor="ctr">
+                    <a:lnL>
+                      <a:noFill/>
+                    </a:lnL>
+                    <a:lnR>
+                      <a:noFill/>
+                    </a:lnR>
+                    <a:lnT>
+                      <a:noFill/>
+                    </a:lnT>
+                    <a:lnB>
+                      <a:noFill/>
+                    </a:lnB>
+                    <a:noFill/>
+                  </a:tcPr>
+                </a:tc>
+                <a:tc>
+                  <a:txBody>
+                    <a:bodyPr/>
+                    <a:lstStyle/>
+                    <a:p>
+                      <a:r>
+                        <a:rPr lang="de-DE" sz="1200">
+                          <a:latin typeface="Avenir Next LT Pro"/>
+                        </a:rPr>
+                        <a:t>Zufällige Suche über vordefinierte Parameterbereiche</a:t>
+                      </a:r>
+                    </a:p>
+                  </a:txBody>
+                  <a:tcPr anchor="ctr">
+                    <a:lnL>
+                      <a:noFill/>
+                    </a:lnL>
+                    <a:lnR>
+                      <a:noFill/>
+                    </a:lnR>
+                    <a:lnT>
+                      <a:noFill/>
+                    </a:lnT>
+                    <a:lnB>
+                      <a:noFill/>
+                    </a:lnB>
+                    <a:noFill/>
+                  </a:tcPr>
+                </a:tc>
+                <a:tc>
+                  <a:txBody>
+                    <a:bodyPr/>
+                    <a:lstStyle/>
+                    <a:p>
+                      <a:pPr lvl="0">
+                        <a:buNone/>
+                      </a:pPr>
+                      <a:r>
+                        <a:rPr lang="de-DE" sz="1200" b="0" i="0" u="none" strike="noStrike" noProof="0">
+                          <a:latin typeface="Avenir Next LT Pro"/>
+                        </a:rPr>
+                        <a:t>Optimiert gezielt basierendauf  best-params aus RandomizeSearch</a:t>
+                      </a:r>
+                    </a:p>
+                  </a:txBody>
+                  <a:tcPr anchor="ctr">
+                    <a:lnL>
+                      <a:noFill/>
+                    </a:lnL>
+                    <a:lnR>
+                      <a:noFill/>
+                    </a:lnR>
+                    <a:lnT>
+                      <a:noFill/>
+                    </a:lnT>
+                    <a:lnB>
+                      <a:noFill/>
+                    </a:lnB>
+                    <a:noFill/>
+                  </a:tcPr>
+                </a:tc>
+                <a:extLst>
+                  <a:ext uri="{0D108BD9-81ED-4DB2-BD59-A6C34878D82A}">
+                    <a16:rowId xmlns:a16="http://schemas.microsoft.com/office/drawing/2014/main" val="1295010838"/>
+                  </a:ext>
+                </a:extLst>
+              </a:tr>
+              <a:tr h="614247">
+                <a:tc>
+                  <a:txBody>
+                    <a:bodyPr/>
+                    <a:lstStyle/>
+                    <a:p>
+                      <a:r>
+                        <a:rPr lang="de-DE" sz="1400" b="1">
+                          <a:latin typeface="Avenir Next LT Pro"/>
+                        </a:rPr>
+                        <a:t>Beste Hyperparameter</a:t>
+                      </a:r>
+                      <a:endParaRPr lang="de-DE" sz="1400">
+                        <a:latin typeface="Avenir Next LT Pro"/>
+                      </a:endParaRPr>
+                    </a:p>
+                  </a:txBody>
+                  <a:tcPr anchor="ctr">
+                    <a:lnL>
+                      <a:noFill/>
+                    </a:lnL>
+                    <a:lnR>
+                      <a:noFill/>
+                    </a:lnR>
+                    <a:lnT>
+                      <a:noFill/>
+                    </a:lnT>
+                    <a:lnB>
+                      <a:noFill/>
+                    </a:lnB>
+                    <a:noFill/>
+                  </a:tcPr>
+                </a:tc>
+                <a:tc>
+                  <a:txBody>
+                    <a:bodyPr/>
+                    <a:lstStyle/>
+                    <a:p>
+                      <a:r>
+                        <a:rPr lang="de-DE" sz="1200">
+                          <a:latin typeface="Avenir Next LT Pro"/>
+                        </a:rPr>
+                        <a:t>{'C': 6.07, 'degree': 2, 'gamma': 0.1, 'kernel': 'poly', 'probability': True}</a:t>
+                      </a:r>
+                    </a:p>
+                  </a:txBody>
+                  <a:tcPr anchor="ctr">
+                    <a:lnL>
+                      <a:noFill/>
+                    </a:lnL>
+                    <a:lnR>
+                      <a:noFill/>
+                    </a:lnR>
+                    <a:lnT>
+                      <a:noFill/>
+                    </a:lnT>
+                    <a:lnB>
+                      <a:noFill/>
+                    </a:lnB>
+                    <a:noFill/>
+                  </a:tcPr>
+                </a:tc>
+                <a:tc>
+                  <a:txBody>
+                    <a:bodyPr/>
+                    <a:lstStyle/>
+                    <a:p>
+                      <a:r>
+                        <a:rPr lang="de-DE" sz="1200">
+                          <a:latin typeface="Avenir Next LT Pro"/>
+                        </a:rPr>
+                        <a:t>{'C': 15.62, 'kernel': 'rbf', 'gamma': 'scale', 'probability': True}</a:t>
+                      </a:r>
+                    </a:p>
+                  </a:txBody>
+                  <a:tcPr anchor="ctr">
+                    <a:lnL>
+                      <a:noFill/>
+                    </a:lnL>
+                    <a:lnR>
+                      <a:noFill/>
+                    </a:lnR>
+                    <a:lnT>
+                      <a:noFill/>
+                    </a:lnT>
+                    <a:lnB>
+                      <a:noFill/>
+                    </a:lnB>
+                    <a:noFill/>
+                  </a:tcPr>
+                </a:tc>
+                <a:extLst>
+                  <a:ext uri="{0D108BD9-81ED-4DB2-BD59-A6C34878D82A}">
+                    <a16:rowId xmlns:a16="http://schemas.microsoft.com/office/drawing/2014/main" val="1768406134"/>
+                  </a:ext>
+                </a:extLst>
+              </a:tr>
+              <a:tr h="414260">
+                <a:tc>
+                  <a:txBody>
+                    <a:bodyPr/>
+                    <a:lstStyle/>
+                    <a:p>
+                      <a:r>
+                        <a:rPr lang="de-DE" sz="1400" b="1">
+                          <a:latin typeface="Avenir Next LT Pro"/>
+                        </a:rPr>
+                        <a:t>Kreuzvalidierungsgenauigkeit</a:t>
+                      </a:r>
+                      <a:endParaRPr lang="de-DE" sz="1400">
+                        <a:latin typeface="Avenir Next LT Pro"/>
+                      </a:endParaRPr>
+                    </a:p>
+                  </a:txBody>
+                  <a:tcPr anchor="ctr">
+                    <a:lnL>
+                      <a:noFill/>
+                    </a:lnL>
+                    <a:lnR>
+                      <a:noFill/>
+                    </a:lnR>
+                    <a:lnT>
+                      <a:noFill/>
+                    </a:lnT>
+                    <a:lnB>
+                      <a:noFill/>
+                    </a:lnB>
+                    <a:noFill/>
+                  </a:tcPr>
+                </a:tc>
+                <a:tc>
+                  <a:txBody>
+                    <a:bodyPr/>
+                    <a:lstStyle/>
+                    <a:p>
+                      <a:r>
+                        <a:rPr lang="de-DE" sz="1200" b="1">
+                          <a:latin typeface="Avenir Next LT Pro"/>
+                        </a:rPr>
+                        <a:t>88.71%</a:t>
+                      </a:r>
+                      <a:endParaRPr lang="de-DE" sz="1200">
+                        <a:latin typeface="Avenir Next LT Pro"/>
+                      </a:endParaRPr>
+                    </a:p>
+                  </a:txBody>
+                  <a:tcPr anchor="ctr">
+                    <a:lnL>
+                      <a:noFill/>
+                    </a:lnL>
+                    <a:lnR>
+                      <a:noFill/>
+                    </a:lnR>
+                    <a:lnT>
+                      <a:noFill/>
+                    </a:lnT>
+                    <a:lnB>
+                      <a:noFill/>
+                    </a:lnB>
+                    <a:noFill/>
+                  </a:tcPr>
+                </a:tc>
+                <a:tc>
+                  <a:txBody>
+                    <a:bodyPr/>
+                    <a:lstStyle/>
+                    <a:p>
+                      <a:r>
+                        <a:rPr lang="de-DE" sz="1200" b="1">
+                          <a:latin typeface="Avenir Next LT Pro"/>
+                        </a:rPr>
+                        <a:t>94.16% </a:t>
+                      </a:r>
+                      <a:r>
+                        <a:rPr lang="de-DE" sz="1200">
+                          <a:latin typeface="Avenir Next LT Pro"/>
+                        </a:rPr>
+                        <a:t>(+5.45%)</a:t>
+                      </a:r>
+                    </a:p>
+                  </a:txBody>
+                  <a:tcPr anchor="ctr">
+                    <a:lnL>
+                      <a:noFill/>
+                    </a:lnL>
+                    <a:lnR>
+                      <a:noFill/>
+                    </a:lnR>
+                    <a:lnT>
+                      <a:noFill/>
+                    </a:lnT>
+                    <a:lnB>
+                      <a:noFill/>
+                    </a:lnB>
+                    <a:noFill/>
+                  </a:tcPr>
+                </a:tc>
+                <a:extLst>
+                  <a:ext uri="{0D108BD9-81ED-4DB2-BD59-A6C34878D82A}">
+                    <a16:rowId xmlns:a16="http://schemas.microsoft.com/office/drawing/2014/main" val="489320759"/>
+                  </a:ext>
+                </a:extLst>
+              </a:tr>
+              <a:tr h="414260">
+                <a:tc>
+                  <a:txBody>
+                    <a:bodyPr/>
+                    <a:lstStyle/>
+                    <a:p>
+                      <a:r>
+                        <a:rPr lang="de-DE" sz="1400" b="1">
+                          <a:latin typeface="Avenir Next LT Pro"/>
+                        </a:rPr>
+                        <a:t>Test-Genauigkeit</a:t>
+                      </a:r>
+                      <a:endParaRPr lang="de-DE" sz="1400">
+                        <a:latin typeface="Avenir Next LT Pro"/>
+                      </a:endParaRPr>
+                    </a:p>
+                  </a:txBody>
+                  <a:tcPr anchor="ctr">
+                    <a:lnL>
+                      <a:noFill/>
+                    </a:lnL>
+                    <a:lnR>
+                      <a:noFill/>
+                    </a:lnR>
+                    <a:lnT>
+                      <a:noFill/>
+                    </a:lnT>
+                    <a:lnB>
+                      <a:noFill/>
+                    </a:lnB>
+                    <a:noFill/>
+                  </a:tcPr>
+                </a:tc>
+                <a:tc>
+                  <a:txBody>
+                    <a:bodyPr/>
+                    <a:lstStyle/>
+                    <a:p>
+                      <a:r>
+                        <a:rPr lang="de-DE" sz="1200" b="1">
+                          <a:latin typeface="Avenir Next LT Pro"/>
+                        </a:rPr>
+                        <a:t>91.67%</a:t>
+                      </a:r>
+                      <a:endParaRPr lang="de-DE" sz="1200">
+                        <a:latin typeface="Avenir Next LT Pro"/>
+                      </a:endParaRPr>
+                    </a:p>
+                  </a:txBody>
+                  <a:tcPr anchor="ctr">
+                    <a:lnL>
+                      <a:noFill/>
+                    </a:lnL>
+                    <a:lnR>
+                      <a:noFill/>
+                    </a:lnR>
+                    <a:lnT>
+                      <a:noFill/>
+                    </a:lnT>
+                    <a:lnB>
+                      <a:noFill/>
+                    </a:lnB>
+                    <a:noFill/>
+                  </a:tcPr>
+                </a:tc>
+                <a:tc>
+                  <a:txBody>
+                    <a:bodyPr/>
+                    <a:lstStyle/>
+                    <a:p>
+                      <a:r>
+                        <a:rPr lang="de-DE" sz="1200" b="1" dirty="0">
+                          <a:latin typeface="Avenir Next LT Pro"/>
+                        </a:rPr>
+                        <a:t>95.43%</a:t>
+                      </a:r>
+                      <a:r>
+                        <a:rPr lang="de-DE" sz="1200">
+                          <a:latin typeface="Avenir Next LT Pro"/>
+                        </a:rPr>
+                        <a:t>  (+3.76%)</a:t>
+                      </a:r>
+                    </a:p>
+                  </a:txBody>
+                  <a:tcPr anchor="ctr">
+                    <a:lnL>
+                      <a:noFill/>
+                    </a:lnL>
+                    <a:lnR>
+                      <a:noFill/>
+                    </a:lnR>
+                    <a:lnT>
+                      <a:noFill/>
+                    </a:lnT>
+                    <a:lnB>
+                      <a:noFill/>
+                    </a:lnB>
+                    <a:noFill/>
+                  </a:tcPr>
+                </a:tc>
+                <a:extLst>
+                  <a:ext uri="{0D108BD9-81ED-4DB2-BD59-A6C34878D82A}">
+                    <a16:rowId xmlns:a16="http://schemas.microsoft.com/office/drawing/2014/main" val="2909200298"/>
+                  </a:ext>
+                </a:extLst>
+              </a:tr>
+              <a:tr h="414260">
+                <a:tc>
+                  <a:txBody>
+                    <a:bodyPr/>
+                    <a:lstStyle/>
+                    <a:p>
+                      <a:r>
+                        <a:rPr lang="de-DE" sz="1400" b="1">
+                          <a:latin typeface="Avenir Next LT Pro"/>
+                        </a:rPr>
+                        <a:t>Trainingszeit</a:t>
+                      </a:r>
+                      <a:endParaRPr lang="de-DE" sz="1400">
+                        <a:latin typeface="Avenir Next LT Pro"/>
+                      </a:endParaRPr>
+                    </a:p>
+                  </a:txBody>
+                  <a:tcPr anchor="ctr">
+                    <a:lnL>
+                      <a:noFill/>
+                    </a:lnL>
+                    <a:lnR>
+                      <a:noFill/>
+                    </a:lnR>
+                    <a:lnT>
+                      <a:noFill/>
+                    </a:lnT>
+                    <a:lnB>
+                      <a:noFill/>
+                    </a:lnB>
+                    <a:noFill/>
+                  </a:tcPr>
+                </a:tc>
+                <a:tc>
+                  <a:txBody>
+                    <a:bodyPr/>
+                    <a:lstStyle/>
+                    <a:p>
+                      <a:r>
+                        <a:rPr lang="de-DE" sz="1200" b="1">
+                          <a:latin typeface="Avenir Next LT Pro"/>
+                        </a:rPr>
+                        <a:t>113.5s</a:t>
+                      </a:r>
+                      <a:endParaRPr lang="de-DE" sz="1200">
+                        <a:latin typeface="Avenir Next LT Pro"/>
+                      </a:endParaRPr>
+                    </a:p>
+                  </a:txBody>
+                  <a:tcPr anchor="ctr">
+                    <a:lnL>
+                      <a:noFill/>
+                    </a:lnL>
+                    <a:lnR>
+                      <a:noFill/>
+                    </a:lnR>
+                    <a:lnT>
+                      <a:noFill/>
+                    </a:lnT>
+                    <a:lnB>
+                      <a:noFill/>
+                    </a:lnB>
+                    <a:noFill/>
+                  </a:tcPr>
+                </a:tc>
+                <a:tc>
+                  <a:txBody>
+                    <a:bodyPr/>
+                    <a:lstStyle/>
+                    <a:p>
+                      <a:r>
+                        <a:rPr lang="de-DE" sz="1200" b="1" dirty="0">
+                          <a:latin typeface="Avenir Next LT Pro"/>
+                        </a:rPr>
+                        <a:t>177.31s</a:t>
+                      </a:r>
+                      <a:r>
+                        <a:rPr lang="de-DE" sz="1200">
+                          <a:latin typeface="Avenir Next LT Pro"/>
+                        </a:rPr>
+                        <a:t>  (+56% länger)</a:t>
+                      </a:r>
+                    </a:p>
+                  </a:txBody>
+                  <a:tcPr anchor="ctr">
+                    <a:lnL>
+                      <a:noFill/>
+                    </a:lnL>
+                    <a:lnR>
+                      <a:noFill/>
+                    </a:lnR>
+                    <a:lnT>
+                      <a:noFill/>
+                    </a:lnT>
+                    <a:lnB>
+                      <a:noFill/>
+                    </a:lnB>
+                    <a:noFill/>
+                  </a:tcPr>
+                </a:tc>
+                <a:extLst>
+                  <a:ext uri="{0D108BD9-81ED-4DB2-BD59-A6C34878D82A}">
+                    <a16:rowId xmlns:a16="http://schemas.microsoft.com/office/drawing/2014/main" val="1784836822"/>
+                  </a:ext>
+                </a:extLst>
+              </a:tr>
+              <a:tr h="414260">
+                <a:tc>
+                  <a:txBody>
+                    <a:bodyPr/>
+                    <a:lstStyle/>
+                    <a:p>
+                      <a:r>
+                        <a:rPr lang="de-DE" sz="1400" b="1">
+                          <a:latin typeface="Avenir Next LT Pro"/>
+                        </a:rPr>
+                        <a:t>F1-Score (Weighted)</a:t>
+                      </a:r>
+                      <a:endParaRPr lang="de-DE" sz="1400">
+                        <a:latin typeface="Avenir Next LT Pro"/>
+                      </a:endParaRPr>
+                    </a:p>
+                  </a:txBody>
+                  <a:tcPr anchor="ctr">
+                    <a:lnL>
+                      <a:noFill/>
+                    </a:lnL>
+                    <a:lnR>
+                      <a:noFill/>
+                    </a:lnR>
+                    <a:lnT>
+                      <a:noFill/>
+                    </a:lnT>
+                    <a:lnB>
+                      <a:noFill/>
+                    </a:lnB>
+                    <a:noFill/>
+                  </a:tcPr>
+                </a:tc>
+                <a:tc>
+                  <a:txBody>
+                    <a:bodyPr/>
+                    <a:lstStyle/>
+                    <a:p>
+                      <a:r>
+                        <a:rPr lang="de-DE" sz="1200" b="1">
+                          <a:latin typeface="Avenir Next LT Pro"/>
+                        </a:rPr>
+                        <a:t>91.67%</a:t>
+                      </a:r>
+                      <a:endParaRPr lang="de-DE" sz="1200">
+                        <a:latin typeface="Avenir Next LT Pro"/>
+                      </a:endParaRPr>
+                    </a:p>
+                  </a:txBody>
+                  <a:tcPr anchor="ctr">
+                    <a:lnL>
+                      <a:noFill/>
+                    </a:lnL>
+                    <a:lnR>
+                      <a:noFill/>
+                    </a:lnR>
+                    <a:lnT>
+                      <a:noFill/>
+                    </a:lnT>
+                    <a:lnB>
+                      <a:noFill/>
+                    </a:lnB>
+                    <a:noFill/>
+                  </a:tcPr>
+                </a:tc>
+                <a:tc>
+                  <a:txBody>
+                    <a:bodyPr/>
+                    <a:lstStyle/>
+                    <a:p>
+                      <a:r>
+                        <a:rPr lang="de-DE" sz="1200" b="1" dirty="0">
+                          <a:latin typeface="Avenir Next LT Pro"/>
+                        </a:rPr>
+                        <a:t>95.41%</a:t>
+                      </a:r>
+                      <a:r>
+                        <a:rPr lang="de-DE" sz="1200">
+                          <a:latin typeface="Avenir Next LT Pro"/>
+                        </a:rPr>
+                        <a:t>  (+3.74%)</a:t>
+                      </a:r>
+                    </a:p>
+                  </a:txBody>
+                  <a:tcPr anchor="ctr">
+                    <a:lnL>
+                      <a:noFill/>
+                    </a:lnL>
+                    <a:lnR>
+                      <a:noFill/>
+                    </a:lnR>
+                    <a:lnT>
+                      <a:noFill/>
+                    </a:lnT>
+                    <a:lnB>
+                      <a:noFill/>
+                    </a:lnB>
+                    <a:noFill/>
+                  </a:tcPr>
+                </a:tc>
+                <a:extLst>
+                  <a:ext uri="{0D108BD9-81ED-4DB2-BD59-A6C34878D82A}">
+                    <a16:rowId xmlns:a16="http://schemas.microsoft.com/office/drawing/2014/main" val="3986367841"/>
+                  </a:ext>
+                </a:extLst>
+              </a:tr>
+              <a:tr h="414260">
+                <a:tc>
+                  <a:txBody>
+                    <a:bodyPr/>
+                    <a:lstStyle/>
+                    <a:p>
+                      <a:r>
+                        <a:rPr lang="de-DE" sz="1400" b="1">
+                          <a:latin typeface="Avenir Next LT Pro"/>
+                        </a:rPr>
+                        <a:t>Gewählte Kernel</a:t>
+                      </a:r>
+                      <a:endParaRPr lang="de-DE" sz="1400">
+                        <a:latin typeface="Avenir Next LT Pro"/>
+                      </a:endParaRPr>
+                    </a:p>
+                  </a:txBody>
+                  <a:tcPr anchor="ctr">
+                    <a:lnL>
+                      <a:noFill/>
+                    </a:lnL>
+                    <a:lnR>
+                      <a:noFill/>
+                    </a:lnR>
+                    <a:lnT>
+                      <a:noFill/>
+                    </a:lnT>
+                    <a:lnB>
+                      <a:noFill/>
+                    </a:lnB>
+                    <a:noFill/>
+                  </a:tcPr>
+                </a:tc>
+                <a:tc>
+                  <a:txBody>
+                    <a:bodyPr/>
+                    <a:lstStyle/>
+                    <a:p>
+                      <a:r>
+                        <a:rPr lang="de-DE" sz="1200">
+                          <a:latin typeface="Avenir Next LT Pro"/>
+                        </a:rPr>
+                        <a:t>Polynom-Kernel ('poly')</a:t>
+                      </a:r>
+                    </a:p>
+                  </a:txBody>
+                  <a:tcPr anchor="ctr">
+                    <a:lnL>
+                      <a:noFill/>
+                    </a:lnL>
+                    <a:lnR>
+                      <a:noFill/>
+                    </a:lnR>
+                    <a:lnT>
+                      <a:noFill/>
+                    </a:lnT>
+                    <a:lnB>
+                      <a:noFill/>
+                    </a:lnB>
+                    <a:noFill/>
+                  </a:tcPr>
+                </a:tc>
+                <a:tc>
+                  <a:txBody>
+                    <a:bodyPr/>
+                    <a:lstStyle/>
+                    <a:p>
+                      <a:r>
+                        <a:rPr lang="de-DE" sz="1200">
+                          <a:latin typeface="Avenir Next LT Pro"/>
+                        </a:rPr>
+                        <a:t> RBF-Kernel ('rbf')</a:t>
+                      </a:r>
+                    </a:p>
+                  </a:txBody>
+                  <a:tcPr anchor="ctr">
+                    <a:lnL>
+                      <a:noFill/>
+                    </a:lnL>
+                    <a:lnR>
+                      <a:noFill/>
+                    </a:lnR>
+                    <a:lnT>
+                      <a:noFill/>
+                    </a:lnT>
+                    <a:lnB>
+                      <a:noFill/>
+                    </a:lnB>
+                    <a:noFill/>
+                  </a:tcPr>
+                </a:tc>
+                <a:extLst>
+                  <a:ext uri="{0D108BD9-81ED-4DB2-BD59-A6C34878D82A}">
+                    <a16:rowId xmlns:a16="http://schemas.microsoft.com/office/drawing/2014/main" val="2069796519"/>
+                  </a:ext>
+                </a:extLst>
+              </a:tr>
+              <a:tr h="414260">
+                <a:tc>
+                  <a:txBody>
+                    <a:bodyPr/>
+                    <a:lstStyle/>
+                    <a:p>
+                      <a:r>
+                        <a:rPr lang="de-DE" sz="1400" b="1">
+                          <a:latin typeface="Avenir Next LT Pro"/>
+                        </a:rPr>
+                        <a:t>Regularisierung (C-Wert)</a:t>
+                      </a:r>
+                      <a:endParaRPr lang="de-DE" sz="1400">
+                        <a:latin typeface="Avenir Next LT Pro"/>
+                      </a:endParaRPr>
+                    </a:p>
+                  </a:txBody>
+                  <a:tcPr anchor="ctr">
+                    <a:lnL>
+                      <a:noFill/>
+                    </a:lnL>
+                    <a:lnR>
+                      <a:noFill/>
+                    </a:lnR>
+                    <a:lnT>
+                      <a:noFill/>
+                    </a:lnT>
+                    <a:lnB>
+                      <a:noFill/>
+                    </a:lnB>
+                    <a:noFill/>
+                  </a:tcPr>
+                </a:tc>
+                <a:tc>
+                  <a:txBody>
+                    <a:bodyPr/>
+                    <a:lstStyle/>
+                    <a:p>
+                      <a:r>
+                        <a:rPr lang="de-DE" sz="1200">
+                          <a:latin typeface="Avenir Next LT Pro"/>
+                        </a:rPr>
+                        <a:t>C=6.07</a:t>
+                      </a:r>
+                    </a:p>
+                  </a:txBody>
+                  <a:tcPr anchor="ctr">
+                    <a:lnL>
+                      <a:noFill/>
+                    </a:lnL>
+                    <a:lnR>
+                      <a:noFill/>
+                    </a:lnR>
+                    <a:lnT>
+                      <a:noFill/>
+                    </a:lnT>
+                    <a:lnB>
+                      <a:noFill/>
+                    </a:lnB>
+                    <a:noFill/>
+                  </a:tcPr>
+                </a:tc>
+                <a:tc>
+                  <a:txBody>
+                    <a:bodyPr/>
+                    <a:lstStyle/>
+                    <a:p>
+                      <a:r>
+                        <a:rPr lang="de-DE" sz="1200">
+                          <a:latin typeface="Avenir Next LT Pro"/>
+                        </a:rPr>
+                        <a:t>C=15.62</a:t>
+                      </a:r>
+                    </a:p>
+                  </a:txBody>
+                  <a:tcPr anchor="ctr">
+                    <a:lnL>
+                      <a:noFill/>
+                    </a:lnL>
+                    <a:lnR>
+                      <a:noFill/>
+                    </a:lnR>
+                    <a:lnT>
+                      <a:noFill/>
+                    </a:lnT>
+                    <a:lnB>
+                      <a:noFill/>
+                    </a:lnB>
+                    <a:noFill/>
+                  </a:tcPr>
+                </a:tc>
+                <a:extLst>
+                  <a:ext uri="{0D108BD9-81ED-4DB2-BD59-A6C34878D82A}">
+                    <a16:rowId xmlns:a16="http://schemas.microsoft.com/office/drawing/2014/main" val="2624801669"/>
+                  </a:ext>
+                </a:extLst>
+              </a:tr>
+            </a:tbl>
+          </a:graphicData>
+        </a:graphic>
+      </p:graphicFrame>
     </p:spTree>
     <p:extLst>
       <p:ext uri="{BB962C8B-B14F-4D97-AF65-F5344CB8AC3E}">

--- a/2025-02-12_Voice_Recognition_FinalPresentation.pptx
+++ b/2025-02-12_Voice_Recognition_FinalPresentation.pptx
@@ -21,7 +21,8 @@
     <p:sldId id="266" r:id="rId15"/>
     <p:sldId id="279" r:id="rId16"/>
     <p:sldId id="281" r:id="rId17"/>
-    <p:sldId id="261" r:id="rId18"/>
+    <p:sldId id="282" r:id="rId18"/>
+    <p:sldId id="261" r:id="rId19"/>
   </p:sldIdLst>
   <p:sldSz cx="12192000" cy="6858000"/>
   <p:notesSz cx="6858000" cy="9144000"/>
@@ -289,7 +290,7 @@
           <a:p>
             <a:fld id="{79C5A860-F335-4252-AA00-24FB67ED2982}" type="datetime1">
               <a:rPr lang="en-US" smtClean="0"/>
-              <a:t>2/11/2025</a:t>
+              <a:t>2/12/2025</a:t>
             </a:fld>
             <a:endParaRPr lang="en-US"/>
           </a:p>
@@ -489,7 +490,7 @@
           <a:p>
             <a:fld id="{46AB1048-0047-48CA-88BA-D69B470942CF}" type="datetime1">
               <a:rPr lang="en-US" smtClean="0"/>
-              <a:t>2/11/2025</a:t>
+              <a:t>2/12/2025</a:t>
             </a:fld>
             <a:endParaRPr lang="en-US"/>
           </a:p>
@@ -700,7 +701,7 @@
           <a:p>
             <a:fld id="{5BD83879-648C-49A9-81A2-0EF5946532D0}" type="datetime1">
               <a:rPr lang="en-US" smtClean="0"/>
-              <a:t>2/11/2025</a:t>
+              <a:t>2/12/2025</a:t>
             </a:fld>
             <a:endParaRPr lang="en-US"/>
           </a:p>
@@ -899,7 +900,7 @@
           <a:p>
             <a:fld id="{D04BC802-30E3-4658-9CCA-F873646FEC67}" type="datetime1">
               <a:rPr lang="en-US" smtClean="0"/>
-              <a:t>2/11/2025</a:t>
+              <a:t>2/12/2025</a:t>
             </a:fld>
             <a:endParaRPr lang="en-US"/>
           </a:p>
@@ -1178,7 +1179,7 @@
           <a:p>
             <a:fld id="{0AB227A3-19CE-4153-81CE-64EB7AB094B3}" type="datetime1">
               <a:rPr lang="en-US" smtClean="0"/>
-              <a:t>2/11/2025</a:t>
+              <a:t>2/12/2025</a:t>
             </a:fld>
             <a:endParaRPr lang="en-US"/>
           </a:p>
@@ -1446,7 +1447,7 @@
           <a:p>
             <a:fld id="{B819A100-10F6-477E-8847-29D479EF1C92}" type="datetime1">
               <a:rPr lang="en-US" smtClean="0"/>
-              <a:t>2/11/2025</a:t>
+              <a:t>2/12/2025</a:t>
             </a:fld>
             <a:endParaRPr lang="en-US"/>
           </a:p>
@@ -1861,7 +1862,7 @@
           <a:p>
             <a:fld id="{5DF128AB-198A-495F-8475-FDB360C9873F}" type="datetime1">
               <a:rPr lang="en-US" smtClean="0"/>
-              <a:t>2/11/2025</a:t>
+              <a:t>2/12/2025</a:t>
             </a:fld>
             <a:endParaRPr lang="en-US"/>
           </a:p>
@@ -2003,7 +2004,7 @@
           <a:p>
             <a:fld id="{021A235E-F8FD-479F-9FC7-18BE84110877}" type="datetime1">
               <a:rPr lang="en-US" smtClean="0"/>
-              <a:t>2/11/2025</a:t>
+              <a:t>2/12/2025</a:t>
             </a:fld>
             <a:endParaRPr lang="en-US"/>
           </a:p>
@@ -2117,7 +2118,7 @@
           <a:p>
             <a:fld id="{E890F09B-68DA-462E-9DB4-4C9ADAB8CBCC}" type="datetime1">
               <a:rPr lang="en-US" smtClean="0"/>
-              <a:t>2/11/2025</a:t>
+              <a:t>2/12/2025</a:t>
             </a:fld>
             <a:endParaRPr lang="en-US"/>
           </a:p>
@@ -2437,7 +2438,7 @@
           <a:p>
             <a:fld id="{17AC4E36-FABE-47EB-AA7F-C19A93824617}" type="datetime1">
               <a:rPr lang="en-US" smtClean="0"/>
-              <a:t>2/11/2025</a:t>
+              <a:t>2/12/2025</a:t>
             </a:fld>
             <a:endParaRPr lang="en-US"/>
           </a:p>
@@ -2735,7 +2736,7 @@
           <a:p>
             <a:fld id="{F199CE6B-5DE6-4A2D-B72E-5E8969F9F56F}" type="datetime1">
               <a:rPr lang="en-US" smtClean="0"/>
-              <a:t>2/11/2025</a:t>
+              <a:t>2/12/2025</a:t>
             </a:fld>
             <a:endParaRPr lang="en-US"/>
           </a:p>
@@ -3594,7 +3595,7 @@
           <a:p>
             <a:fld id="{F481A142-DA77-4A5F-AD1F-14E6C18F0F5F}" type="datetime1">
               <a:rPr lang="en-US" smtClean="0"/>
-              <a:t>2/11/2025</a:t>
+              <a:t>2/12/2025</a:t>
             </a:fld>
             <a:endParaRPr lang="en-US" dirty="0"/>
           </a:p>
@@ -5661,7 +5662,7 @@
         </p:spPr>
         <p:txBody>
           <a:bodyPr vert="horz" lIns="91440" tIns="45720" rIns="91440" bIns="45720" rtlCol="0" anchor="t">
-            <a:normAutofit/>
+            <a:noAutofit/>
           </a:bodyPr>
           <a:lstStyle/>
           <a:p>
@@ -5674,6 +5675,18 @@
                 <a:cs typeface="Arial"/>
               </a:rPr>
               <a:t>Audiodatei Verarbeitung (MFCCs) größtenteils aus Quellen übernommen (=)</a:t>
+            </a:r>
+          </a:p>
+          <a:p>
+            <a:pPr marL="457200" indent="-457200">
+              <a:buFontTx/>
+              <a:buChar char="-"/>
+            </a:pPr>
+            <a:r>
+              <a:rPr lang="de-DE" sz="2800" dirty="0">
+                <a:cs typeface="Arial"/>
+              </a:rPr>
+              <a:t>Trainingsdaten aufarbeiten (&gt;)</a:t>
             </a:r>
           </a:p>
           <a:p>
@@ -6052,10 +6065,22 @@
           <a:lstStyle/>
           <a:p>
             <a:r>
-              <a:rPr lang="de-DE" b="1" u="sng">
+              <a:rPr lang="de-DE" b="1" u="sng" dirty="0" err="1">
                 <a:cs typeface="Posterama"/>
               </a:rPr>
-              <a:t>Quellen</a:t>
+              <a:t>Github</a:t>
+            </a:r>
+            <a:r>
+              <a:rPr lang="de-DE" b="1" u="sng" dirty="0">
+                <a:cs typeface="Posterama"/>
+              </a:rPr>
+              <a:t> </a:t>
+            </a:r>
+            <a:r>
+              <a:rPr lang="de-DE" b="1" u="sng" dirty="0" err="1">
+                <a:cs typeface="Posterama"/>
+              </a:rPr>
+              <a:t>repository</a:t>
             </a:r>
             <a:endParaRPr lang="de-DE" b="1" u="sng" dirty="0">
               <a:cs typeface="Posterama"/>
@@ -6115,7 +6140,7 @@
           </a:xfrm>
         </p:spPr>
         <p:txBody>
-          <a:bodyPr vert="horz" lIns="91440" tIns="45720" rIns="91440" bIns="45720" rtlCol="0" anchor="t">
+          <a:bodyPr vert="horz" lIns="91440" tIns="45720" rIns="91440" bIns="45720" rtlCol="0" anchor="ctr">
             <a:normAutofit/>
           </a:bodyPr>
           <a:lstStyle/>
@@ -6125,26 +6150,27 @@
               <a:buChar char="•"/>
             </a:pPr>
             <a:r>
-              <a:rPr lang="de-DE" sz="2800" dirty="0">
+              <a:rPr lang="de-DE" sz="2800" b="0" dirty="0">
+                <a:solidFill>
+                  <a:srgbClr val="CE9178"/>
+                </a:solidFill>
+                <a:effectLst/>
+                <a:latin typeface="Consolas" panose="020B0609020204030204" pitchFamily="49" charset="0"/>
                 <a:ea typeface="+mn-lt"/>
                 <a:cs typeface="+mn-lt"/>
+                <a:hlinkClick r:id="rId2"/>
               </a:rPr>
-              <a:t>https://github.com/ksrvap/Audio-classification-using-SVM-and-CNN/blob/main/Audio_Classification.py</a:t>
-            </a:r>
-            <a:endParaRPr lang="de-DE"/>
-          </a:p>
-          <a:p>
-            <a:pPr marL="457200" indent="-457200">
-              <a:buFont typeface="Arial"/>
-              <a:buChar char="•"/>
-            </a:pPr>
-            <a:r>
-              <a:rPr lang="de-DE" sz="2800" dirty="0">
-                <a:ea typeface="+mn-lt"/>
-                <a:cs typeface="+mn-lt"/>
-              </a:rPr>
-              <a:t>https://scikit-learn.org/stable/model_selection.html</a:t>
-            </a:r>
+              <a:t>https://github.com/Linelle-7/Spracherkennung-Deep-Learning-.git</a:t>
+            </a:r>
+            <a:endParaRPr lang="de-DE" sz="2800" b="0" dirty="0">
+              <a:solidFill>
+                <a:srgbClr val="CE9178"/>
+              </a:solidFill>
+              <a:effectLst/>
+              <a:latin typeface="Consolas" panose="020B0609020204030204" pitchFamily="49" charset="0"/>
+              <a:ea typeface="+mn-lt"/>
+              <a:cs typeface="+mn-lt"/>
+            </a:endParaRPr>
           </a:p>
         </p:txBody>
       </p:sp>
@@ -6163,7 +6189,7 @@
           <p:nvPr/>
         </p:nvPicPr>
         <p:blipFill>
-          <a:blip r:embed="rId2"/>
+          <a:blip r:embed="rId3"/>
           <a:stretch>
             <a:fillRect/>
           </a:stretch>
@@ -6196,6 +6222,222 @@
   <p:cSld>
     <p:spTree>
       <p:nvGrpSpPr>
+        <p:cNvPr id="1" name="">
+          <a:extLst>
+            <a:ext uri="{FF2B5EF4-FFF2-40B4-BE49-F238E27FC236}">
+              <a16:creationId xmlns:a16="http://schemas.microsoft.com/office/drawing/2014/main" id="{556AF7EE-73E4-4C81-6566-0676A3F0BAFD}"/>
+            </a:ext>
+          </a:extLst>
+        </p:cNvPr>
+        <p:cNvGrpSpPr/>
+        <p:nvPr/>
+      </p:nvGrpSpPr>
+      <p:grpSpPr>
+        <a:xfrm>
+          <a:off x="0" y="0"/>
+          <a:ext cx="0" cy="0"/>
+          <a:chOff x="0" y="0"/>
+          <a:chExt cx="0" cy="0"/>
+        </a:xfrm>
+      </p:grpSpPr>
+      <p:sp>
+        <p:nvSpPr>
+          <p:cNvPr id="2" name="Titel 1">
+            <a:extLst>
+              <a:ext uri="{FF2B5EF4-FFF2-40B4-BE49-F238E27FC236}">
+                <a16:creationId xmlns:a16="http://schemas.microsoft.com/office/drawing/2014/main" id="{2653BA5C-75D6-C375-34FD-B9C8D3721D70}"/>
+              </a:ext>
+            </a:extLst>
+          </p:cNvPr>
+          <p:cNvSpPr>
+            <a:spLocks noGrp="1"/>
+          </p:cNvSpPr>
+          <p:nvPr>
+            <p:ph type="title"/>
+          </p:nvPr>
+        </p:nvSpPr>
+        <p:spPr/>
+        <p:txBody>
+          <a:bodyPr/>
+          <a:lstStyle/>
+          <a:p>
+            <a:r>
+              <a:rPr lang="de-DE" b="1" u="sng">
+                <a:cs typeface="Posterama"/>
+              </a:rPr>
+              <a:t>Quellen</a:t>
+            </a:r>
+            <a:endParaRPr lang="de-DE" b="1" u="sng" dirty="0">
+              <a:cs typeface="Posterama"/>
+            </a:endParaRPr>
+          </a:p>
+        </p:txBody>
+      </p:sp>
+      <p:sp>
+        <p:nvSpPr>
+          <p:cNvPr id="6" name="Foliennummernplatzhalter 5">
+            <a:extLst>
+              <a:ext uri="{FF2B5EF4-FFF2-40B4-BE49-F238E27FC236}">
+                <a16:creationId xmlns:a16="http://schemas.microsoft.com/office/drawing/2014/main" id="{1DBB3FD5-F07F-6812-C3E4-701C6C18A1B0}"/>
+              </a:ext>
+            </a:extLst>
+          </p:cNvPr>
+          <p:cNvSpPr>
+            <a:spLocks noGrp="1"/>
+          </p:cNvSpPr>
+          <p:nvPr>
+            <p:ph type="sldNum" sz="quarter" idx="12"/>
+          </p:nvPr>
+        </p:nvSpPr>
+        <p:spPr/>
+        <p:txBody>
+          <a:bodyPr/>
+          <a:lstStyle/>
+          <a:p>
+            <a:fld id="{1F646F3F-274D-499B-ABBE-824EB4ABDC3D}" type="slidenum">
+              <a:rPr lang="en-US" smtClean="0"/>
+              <a:t>17</a:t>
+            </a:fld>
+            <a:endParaRPr lang="de-DE"/>
+          </a:p>
+        </p:txBody>
+      </p:sp>
+      <p:sp>
+        <p:nvSpPr>
+          <p:cNvPr id="11" name="Inhaltsplatzhalter 10">
+            <a:extLst>
+              <a:ext uri="{FF2B5EF4-FFF2-40B4-BE49-F238E27FC236}">
+                <a16:creationId xmlns:a16="http://schemas.microsoft.com/office/drawing/2014/main" id="{8F9046C5-614C-377E-BA30-D48F818DD82A}"/>
+              </a:ext>
+            </a:extLst>
+          </p:cNvPr>
+          <p:cNvSpPr>
+            <a:spLocks noGrp="1"/>
+          </p:cNvSpPr>
+          <p:nvPr>
+            <p:ph idx="1"/>
+          </p:nvPr>
+        </p:nvSpPr>
+        <p:spPr>
+          <a:xfrm>
+            <a:off x="609600" y="2106205"/>
+            <a:ext cx="10972800" cy="3823948"/>
+          </a:xfrm>
+        </p:spPr>
+        <p:txBody>
+          <a:bodyPr vert="horz" lIns="91440" tIns="45720" rIns="91440" bIns="45720" rtlCol="0" anchor="t">
+            <a:normAutofit/>
+          </a:bodyPr>
+          <a:lstStyle/>
+          <a:p>
+            <a:pPr marL="457200" indent="-457200">
+              <a:buFont typeface="Arial"/>
+              <a:buChar char="•"/>
+            </a:pPr>
+            <a:r>
+              <a:rPr lang="de-DE" sz="2800" dirty="0">
+                <a:ea typeface="+mn-lt"/>
+                <a:cs typeface="+mn-lt"/>
+                <a:hlinkClick r:id="rId2"/>
+              </a:rPr>
+              <a:t>https://github.com/ksrvap/Audio-classification-using-SVM-and-CNN/blob/main/Audio_Classification.py</a:t>
+            </a:r>
+            <a:endParaRPr lang="de-DE" dirty="0"/>
+          </a:p>
+          <a:p>
+            <a:pPr marL="457200" indent="-457200">
+              <a:buFont typeface="Arial"/>
+              <a:buChar char="•"/>
+            </a:pPr>
+            <a:r>
+              <a:rPr lang="de-DE" sz="2800" dirty="0">
+                <a:ea typeface="+mn-lt"/>
+                <a:cs typeface="+mn-lt"/>
+                <a:hlinkClick r:id="rId3"/>
+              </a:rPr>
+              <a:t>https://scikit-learn.org/stable/model_selection.html</a:t>
+            </a:r>
+            <a:endParaRPr lang="de-DE" sz="2800" dirty="0">
+              <a:ea typeface="+mn-lt"/>
+              <a:cs typeface="+mn-lt"/>
+            </a:endParaRPr>
+          </a:p>
+          <a:p>
+            <a:pPr marL="457200" indent="-457200">
+              <a:buFont typeface="Arial"/>
+              <a:buChar char="•"/>
+            </a:pPr>
+            <a:r>
+              <a:rPr lang="de-DE" sz="2400" b="0" dirty="0">
+                <a:solidFill>
+                  <a:srgbClr val="CE9178"/>
+                </a:solidFill>
+                <a:effectLst/>
+                <a:latin typeface="Consolas" panose="020B0609020204030204" pitchFamily="49" charset="0"/>
+                <a:hlinkClick r:id="rId4"/>
+              </a:rPr>
+              <a:t>https://towardsdatascience.com/voice-classification-using-deep-learning-with-python-6eddb9580381</a:t>
+            </a:r>
+            <a:endParaRPr lang="de-DE" sz="2800" b="0" dirty="0">
+              <a:solidFill>
+                <a:srgbClr val="CE9178"/>
+              </a:solidFill>
+              <a:effectLst/>
+              <a:latin typeface="Consolas" panose="020B0609020204030204" pitchFamily="49" charset="0"/>
+              <a:ea typeface="+mn-lt"/>
+              <a:cs typeface="+mn-lt"/>
+            </a:endParaRPr>
+          </a:p>
+        </p:txBody>
+      </p:sp>
+      <p:pic>
+        <p:nvPicPr>
+          <p:cNvPr id="13" name="Grafik 12" descr="Ein Bild, das Text, Schrift, Grafiken, Screenshot enthält.">
+            <a:extLst>
+              <a:ext uri="{FF2B5EF4-FFF2-40B4-BE49-F238E27FC236}">
+                <a16:creationId xmlns:a16="http://schemas.microsoft.com/office/drawing/2014/main" id="{7DB744CC-4790-9471-9367-7D02CE230ABC}"/>
+              </a:ext>
+            </a:extLst>
+          </p:cNvPr>
+          <p:cNvPicPr>
+            <a:picLocks noChangeAspect="1"/>
+          </p:cNvPicPr>
+          <p:nvPr/>
+        </p:nvPicPr>
+        <p:blipFill>
+          <a:blip r:embed="rId5"/>
+          <a:stretch>
+            <a:fillRect/>
+          </a:stretch>
+        </p:blipFill>
+        <p:spPr>
+          <a:xfrm>
+            <a:off x="8125355" y="47624"/>
+            <a:ext cx="3738563" cy="678658"/>
+          </a:xfrm>
+          <a:prstGeom prst="rect">
+            <a:avLst/>
+          </a:prstGeom>
+        </p:spPr>
+      </p:pic>
+    </p:spTree>
+    <p:extLst>
+      <p:ext uri="{BB962C8B-B14F-4D97-AF65-F5344CB8AC3E}">
+        <p14:creationId xmlns:p14="http://schemas.microsoft.com/office/powerpoint/2010/main" val="942137526"/>
+      </p:ext>
+    </p:extLst>
+  </p:cSld>
+  <p:clrMapOvr>
+    <a:masterClrMapping/>
+  </p:clrMapOvr>
+</p:sld>
+</file>
+
+<file path=ppt/slides/slide18.xml><?xml version="1.0" encoding="utf-8"?>
+<p:sld xmlns:a="http://schemas.openxmlformats.org/drawingml/2006/main" xmlns:r="http://schemas.openxmlformats.org/officeDocument/2006/relationships" xmlns:p="http://schemas.openxmlformats.org/presentationml/2006/main">
+  <p:cSld>
+    <p:spTree>
+      <p:nvGrpSpPr>
         <p:cNvPr id="1" name=""/>
         <p:cNvGrpSpPr/>
         <p:nvPr/>
@@ -6238,7 +6480,7 @@
           <a:p>
             <a:pPr algn="ctr"/>
             <a:r>
-              <a:rPr lang="de-DE" sz="4800" b="1" u="sng">
+              <a:rPr lang="de-DE" sz="4800" b="1" u="sng" dirty="0">
                 <a:latin typeface="Lucida Bright"/>
                 <a:cs typeface="Posterama"/>
               </a:rPr>
@@ -6257,11 +6499,11 @@
               </a:rPr>
             </a:br>
             <a:r>
-              <a:rPr lang="de-DE" sz="4800" b="1" u="sng">
+              <a:rPr lang="de-DE" sz="4800" b="1" u="sng" dirty="0">
                 <a:latin typeface="Lucida Bright"/>
                 <a:cs typeface="Posterama"/>
               </a:rPr>
-              <a:t>Fragen ?</a:t>
+              <a:t>Fragen?</a:t>
             </a:r>
           </a:p>
         </p:txBody>
@@ -6289,7 +6531,7 @@
           <a:p>
             <a:fld id="{1F646F3F-274D-499B-ABBE-824EB4ABDC3D}" type="slidenum">
               <a:rPr lang="en-US" smtClean="0"/>
-              <a:t>17</a:t>
+              <a:t>18</a:t>
             </a:fld>
             <a:endParaRPr lang="de-DE"/>
           </a:p>
